--- a/DFS, BFS/백준_스터디/29(일)/10_29_스터디.pptx
+++ b/DFS, BFS/백준_스터디/29(일)/10_29_스터디.pptx
@@ -5,7 +5,25 @@
     <p:sldMasterId id="2147483660" r:id="rId1"/>
   </p:sldMasterIdLst>
   <p:sldIdLst>
-    <p:sldId id="256" r:id="rId2"/>
+    <p:sldId id="267" r:id="rId2"/>
+    <p:sldId id="257" r:id="rId3"/>
+    <p:sldId id="256" r:id="rId4"/>
+    <p:sldId id="258" r:id="rId5"/>
+    <p:sldId id="259" r:id="rId6"/>
+    <p:sldId id="260" r:id="rId7"/>
+    <p:sldId id="273" r:id="rId8"/>
+    <p:sldId id="269" r:id="rId9"/>
+    <p:sldId id="275" r:id="rId10"/>
+    <p:sldId id="270" r:id="rId11"/>
+    <p:sldId id="271" r:id="rId12"/>
+    <p:sldId id="268" r:id="rId13"/>
+    <p:sldId id="261" r:id="rId14"/>
+    <p:sldId id="262" r:id="rId15"/>
+    <p:sldId id="274" r:id="rId16"/>
+    <p:sldId id="266" r:id="rId17"/>
+    <p:sldId id="264" r:id="rId18"/>
+    <p:sldId id="272" r:id="rId19"/>
+    <p:sldId id="265" r:id="rId20"/>
   </p:sldIdLst>
   <p:sldSz cx="6858000" cy="9906000" type="A4"/>
   <p:notesSz cx="6858000" cy="9144000"/>
@@ -104,7 +122,721 @@
       </a:defRPr>
     </a:lvl9pPr>
   </p:defaultTextStyle>
+  <p:extLst>
+    <p:ext uri="{521415D9-36F7-43E2-AB2F-B90AF26B5E84}">
+      <p14:sectionLst xmlns:p14="http://schemas.microsoft.com/office/powerpoint/2010/main">
+        <p14:section name="섬의 개수" id="{7198E505-35A6-4149-BBE2-ED27007E7378}">
+          <p14:sldIdLst>
+            <p14:sldId id="267"/>
+            <p14:sldId id="257"/>
+            <p14:sldId id="256"/>
+            <p14:sldId id="258"/>
+            <p14:sldId id="259"/>
+            <p14:sldId id="260"/>
+            <p14:sldId id="273"/>
+          </p14:sldIdLst>
+        </p14:section>
+        <p14:section name="트리의 부모 찾기" id="{4B9730B8-9D2E-4D64-B00F-F58878B845B8}">
+          <p14:sldIdLst>
+            <p14:sldId id="269"/>
+            <p14:sldId id="275"/>
+            <p14:sldId id="270"/>
+            <p14:sldId id="271"/>
+          </p14:sldIdLst>
+        </p14:section>
+        <p14:section name="안전영역" id="{BAC43867-8856-4C66-9726-587223B51B31}">
+          <p14:sldIdLst>
+            <p14:sldId id="268"/>
+            <p14:sldId id="261"/>
+            <p14:sldId id="262"/>
+            <p14:sldId id="274"/>
+            <p14:sldId id="266"/>
+            <p14:sldId id="264"/>
+            <p14:sldId id="272"/>
+            <p14:sldId id="265"/>
+          </p14:sldIdLst>
+        </p14:section>
+      </p14:sectionLst>
+    </p:ext>
+    <p:ext uri="{EFAFB233-063F-42B5-8137-9DF3F51BA10A}">
+      <p15:sldGuideLst xmlns:p15="http://schemas.microsoft.com/office/powerpoint/2012/main"/>
+    </p:ext>
+  </p:extLst>
 </p:presentation>
+</file>
+
+<file path=ppt/revisionInfo.xml><?xml version="1.0" encoding="utf-8"?>
+<p1510:revInfo xmlns:a="http://schemas.openxmlformats.org/drawingml/2006/main" xmlns:r="http://schemas.openxmlformats.org/officeDocument/2006/relationships" xmlns:p1510="http://schemas.microsoft.com/office/powerpoint/2015/10/main">
+  <p1510:revLst>
+    <p1510:client id="{4EBEE71B-A046-46A1-8FFD-861068AB1109}" v="32" dt="2023-10-29T09:18:58.213"/>
+  </p1510:revLst>
+</p1510:revInfo>
+</file>
+
+<file path=ppt/changesInfos/changesInfo1.xml><?xml version="1.0" encoding="utf-8"?>
+<pc:chgInfo xmlns:a="http://schemas.openxmlformats.org/drawingml/2006/main" xmlns:r="http://schemas.openxmlformats.org/officeDocument/2006/relationships" xmlns:ac="http://schemas.microsoft.com/office/drawing/2013/main/command" xmlns:pc="http://schemas.microsoft.com/office/powerpoint/2013/main/command">
+  <pc:docChgLst>
+    <pc:chgData name="Song JuYoung" userId="2ab62cc5c92b8695" providerId="LiveId" clId="{4EBEE71B-A046-46A1-8FFD-861068AB1109}"/>
+    <pc:docChg chg="undo custSel addSld delSld modSld sldOrd addSection modSection">
+      <pc:chgData name="Song JuYoung" userId="2ab62cc5c92b8695" providerId="LiveId" clId="{4EBEE71B-A046-46A1-8FFD-861068AB1109}" dt="2023-10-29T09:21:43.727" v="243" actId="478"/>
+      <pc:docMkLst>
+        <pc:docMk/>
+      </pc:docMkLst>
+      <pc:sldChg chg="modSp mod">
+        <pc:chgData name="Song JuYoung" userId="2ab62cc5c92b8695" providerId="LiveId" clId="{4EBEE71B-A046-46A1-8FFD-861068AB1109}" dt="2023-10-29T08:49:25.503" v="3" actId="1076"/>
+        <pc:sldMkLst>
+          <pc:docMk/>
+          <pc:sldMk cId="371789652" sldId="256"/>
+        </pc:sldMkLst>
+        <pc:picChg chg="mod">
+          <ac:chgData name="Song JuYoung" userId="2ab62cc5c92b8695" providerId="LiveId" clId="{4EBEE71B-A046-46A1-8FFD-861068AB1109}" dt="2023-10-29T08:49:25.503" v="3" actId="1076"/>
+          <ac:picMkLst>
+            <pc:docMk/>
+            <pc:sldMk cId="371789652" sldId="256"/>
+            <ac:picMk id="5" creationId="{92D39F4A-0913-1361-26F4-D6937ECF0815}"/>
+          </ac:picMkLst>
+        </pc:picChg>
+        <pc:picChg chg="mod">
+          <ac:chgData name="Song JuYoung" userId="2ab62cc5c92b8695" providerId="LiveId" clId="{4EBEE71B-A046-46A1-8FFD-861068AB1109}" dt="2023-10-29T08:49:25.503" v="3" actId="1076"/>
+          <ac:picMkLst>
+            <pc:docMk/>
+            <pc:sldMk cId="371789652" sldId="256"/>
+            <ac:picMk id="7" creationId="{FFA9FA23-3784-41EA-1A8D-5E6D65230C48}"/>
+          </ac:picMkLst>
+        </pc:picChg>
+      </pc:sldChg>
+      <pc:sldChg chg="addSp delSp modSp new mod ord">
+        <pc:chgData name="Song JuYoung" userId="2ab62cc5c92b8695" providerId="LiveId" clId="{4EBEE71B-A046-46A1-8FFD-861068AB1109}" dt="2023-10-29T08:50:02.814" v="11" actId="1076"/>
+        <pc:sldMkLst>
+          <pc:docMk/>
+          <pc:sldMk cId="3959755882" sldId="257"/>
+        </pc:sldMkLst>
+        <pc:spChg chg="del">
+          <ac:chgData name="Song JuYoung" userId="2ab62cc5c92b8695" providerId="LiveId" clId="{4EBEE71B-A046-46A1-8FFD-861068AB1109}" dt="2023-10-29T08:49:28.503" v="4" actId="478"/>
+          <ac:spMkLst>
+            <pc:docMk/>
+            <pc:sldMk cId="3959755882" sldId="257"/>
+            <ac:spMk id="2" creationId="{CC188FDA-95F2-2947-9ECD-BB15D5CCDE7A}"/>
+          </ac:spMkLst>
+        </pc:spChg>
+        <pc:spChg chg="del">
+          <ac:chgData name="Song JuYoung" userId="2ab62cc5c92b8695" providerId="LiveId" clId="{4EBEE71B-A046-46A1-8FFD-861068AB1109}" dt="2023-10-29T08:49:28.503" v="4" actId="478"/>
+          <ac:spMkLst>
+            <pc:docMk/>
+            <pc:sldMk cId="3959755882" sldId="257"/>
+            <ac:spMk id="3" creationId="{FA85F20A-4E02-F6A5-D349-0320D9795AA3}"/>
+          </ac:spMkLst>
+        </pc:spChg>
+        <pc:picChg chg="add mod">
+          <ac:chgData name="Song JuYoung" userId="2ab62cc5c92b8695" providerId="LiveId" clId="{4EBEE71B-A046-46A1-8FFD-861068AB1109}" dt="2023-10-29T08:50:02.814" v="11" actId="1076"/>
+          <ac:picMkLst>
+            <pc:docMk/>
+            <pc:sldMk cId="3959755882" sldId="257"/>
+            <ac:picMk id="5" creationId="{A748BEAD-1801-763F-8253-15F33D41B0A7}"/>
+          </ac:picMkLst>
+        </pc:picChg>
+        <pc:picChg chg="add mod">
+          <ac:chgData name="Song JuYoung" userId="2ab62cc5c92b8695" providerId="LiveId" clId="{4EBEE71B-A046-46A1-8FFD-861068AB1109}" dt="2023-10-29T08:50:01.477" v="10" actId="1076"/>
+          <ac:picMkLst>
+            <pc:docMk/>
+            <pc:sldMk cId="3959755882" sldId="257"/>
+            <ac:picMk id="7" creationId="{9893C87C-780F-41BA-5527-795EB262A476}"/>
+          </ac:picMkLst>
+        </pc:picChg>
+      </pc:sldChg>
+      <pc:sldChg chg="addSp delSp modSp new mod">
+        <pc:chgData name="Song JuYoung" userId="2ab62cc5c92b8695" providerId="LiveId" clId="{4EBEE71B-A046-46A1-8FFD-861068AB1109}" dt="2023-10-29T08:50:53.137" v="26" actId="14100"/>
+        <pc:sldMkLst>
+          <pc:docMk/>
+          <pc:sldMk cId="2808207272" sldId="258"/>
+        </pc:sldMkLst>
+        <pc:spChg chg="del">
+          <ac:chgData name="Song JuYoung" userId="2ab62cc5c92b8695" providerId="LiveId" clId="{4EBEE71B-A046-46A1-8FFD-861068AB1109}" dt="2023-10-29T08:50:25.726" v="13" actId="478"/>
+          <ac:spMkLst>
+            <pc:docMk/>
+            <pc:sldMk cId="2808207272" sldId="258"/>
+            <ac:spMk id="2" creationId="{2C991683-B14F-5A8D-B5C7-C9E29A6F0A2A}"/>
+          </ac:spMkLst>
+        </pc:spChg>
+        <pc:spChg chg="del">
+          <ac:chgData name="Song JuYoung" userId="2ab62cc5c92b8695" providerId="LiveId" clId="{4EBEE71B-A046-46A1-8FFD-861068AB1109}" dt="2023-10-29T08:50:25.726" v="13" actId="478"/>
+          <ac:spMkLst>
+            <pc:docMk/>
+            <pc:sldMk cId="2808207272" sldId="258"/>
+            <ac:spMk id="3" creationId="{73F90B2E-59E1-CE5E-10EC-C377CEC85277}"/>
+          </ac:spMkLst>
+        </pc:spChg>
+        <pc:picChg chg="add mod modCrop">
+          <ac:chgData name="Song JuYoung" userId="2ab62cc5c92b8695" providerId="LiveId" clId="{4EBEE71B-A046-46A1-8FFD-861068AB1109}" dt="2023-10-29T08:50:45.701" v="21" actId="14100"/>
+          <ac:picMkLst>
+            <pc:docMk/>
+            <pc:sldMk cId="2808207272" sldId="258"/>
+            <ac:picMk id="5" creationId="{F7D54259-BB30-6B88-5A02-F67726A01511}"/>
+          </ac:picMkLst>
+        </pc:picChg>
+        <pc:picChg chg="add mod modCrop">
+          <ac:chgData name="Song JuYoung" userId="2ab62cc5c92b8695" providerId="LiveId" clId="{4EBEE71B-A046-46A1-8FFD-861068AB1109}" dt="2023-10-29T08:50:53.137" v="26" actId="14100"/>
+          <ac:picMkLst>
+            <pc:docMk/>
+            <pc:sldMk cId="2808207272" sldId="258"/>
+            <ac:picMk id="6" creationId="{9F548817-B9CC-7EB2-FCE0-25671328B3C0}"/>
+          </ac:picMkLst>
+        </pc:picChg>
+      </pc:sldChg>
+      <pc:sldChg chg="addSp delSp modSp new mod">
+        <pc:chgData name="Song JuYoung" userId="2ab62cc5c92b8695" providerId="LiveId" clId="{4EBEE71B-A046-46A1-8FFD-861068AB1109}" dt="2023-10-29T08:53:00.847" v="30" actId="1076"/>
+        <pc:sldMkLst>
+          <pc:docMk/>
+          <pc:sldMk cId="2498285692" sldId="259"/>
+        </pc:sldMkLst>
+        <pc:spChg chg="del">
+          <ac:chgData name="Song JuYoung" userId="2ab62cc5c92b8695" providerId="LiveId" clId="{4EBEE71B-A046-46A1-8FFD-861068AB1109}" dt="2023-10-29T08:52:57.831" v="28" actId="478"/>
+          <ac:spMkLst>
+            <pc:docMk/>
+            <pc:sldMk cId="2498285692" sldId="259"/>
+            <ac:spMk id="2" creationId="{88645B49-D697-38C9-66C8-5E40378AF23B}"/>
+          </ac:spMkLst>
+        </pc:spChg>
+        <pc:spChg chg="del">
+          <ac:chgData name="Song JuYoung" userId="2ab62cc5c92b8695" providerId="LiveId" clId="{4EBEE71B-A046-46A1-8FFD-861068AB1109}" dt="2023-10-29T08:52:57.831" v="28" actId="478"/>
+          <ac:spMkLst>
+            <pc:docMk/>
+            <pc:sldMk cId="2498285692" sldId="259"/>
+            <ac:spMk id="3" creationId="{3468D42F-6BFA-69DE-C9DC-3555F1F107C6}"/>
+          </ac:spMkLst>
+        </pc:spChg>
+        <pc:picChg chg="add mod">
+          <ac:chgData name="Song JuYoung" userId="2ab62cc5c92b8695" providerId="LiveId" clId="{4EBEE71B-A046-46A1-8FFD-861068AB1109}" dt="2023-10-29T08:53:00.847" v="30" actId="1076"/>
+          <ac:picMkLst>
+            <pc:docMk/>
+            <pc:sldMk cId="2498285692" sldId="259"/>
+            <ac:picMk id="5" creationId="{F163AFD5-028E-9138-31A7-1E2D8DD89B5F}"/>
+          </ac:picMkLst>
+        </pc:picChg>
+      </pc:sldChg>
+      <pc:sldChg chg="addSp delSp modSp new mod">
+        <pc:chgData name="Song JuYoung" userId="2ab62cc5c92b8695" providerId="LiveId" clId="{4EBEE71B-A046-46A1-8FFD-861068AB1109}" dt="2023-10-29T08:53:48.204" v="42" actId="1076"/>
+        <pc:sldMkLst>
+          <pc:docMk/>
+          <pc:sldMk cId="3889145494" sldId="260"/>
+        </pc:sldMkLst>
+        <pc:spChg chg="del">
+          <ac:chgData name="Song JuYoung" userId="2ab62cc5c92b8695" providerId="LiveId" clId="{4EBEE71B-A046-46A1-8FFD-861068AB1109}" dt="2023-10-29T08:53:28.553" v="32" actId="478"/>
+          <ac:spMkLst>
+            <pc:docMk/>
+            <pc:sldMk cId="3889145494" sldId="260"/>
+            <ac:spMk id="2" creationId="{7C25C867-D23E-B867-9484-0804010F374B}"/>
+          </ac:spMkLst>
+        </pc:spChg>
+        <pc:spChg chg="del">
+          <ac:chgData name="Song JuYoung" userId="2ab62cc5c92b8695" providerId="LiveId" clId="{4EBEE71B-A046-46A1-8FFD-861068AB1109}" dt="2023-10-29T08:53:28.553" v="32" actId="478"/>
+          <ac:spMkLst>
+            <pc:docMk/>
+            <pc:sldMk cId="3889145494" sldId="260"/>
+            <ac:spMk id="3" creationId="{CF36B941-A02B-C283-80E3-57A94E727F2F}"/>
+          </ac:spMkLst>
+        </pc:spChg>
+        <pc:picChg chg="add mod">
+          <ac:chgData name="Song JuYoung" userId="2ab62cc5c92b8695" providerId="LiveId" clId="{4EBEE71B-A046-46A1-8FFD-861068AB1109}" dt="2023-10-29T08:53:39.232" v="37" actId="14100"/>
+          <ac:picMkLst>
+            <pc:docMk/>
+            <pc:sldMk cId="3889145494" sldId="260"/>
+            <ac:picMk id="5" creationId="{E018DF68-DCFC-C4D4-4291-E1D1C4D0C777}"/>
+          </ac:picMkLst>
+        </pc:picChg>
+        <pc:picChg chg="add mod">
+          <ac:chgData name="Song JuYoung" userId="2ab62cc5c92b8695" providerId="LiveId" clId="{4EBEE71B-A046-46A1-8FFD-861068AB1109}" dt="2023-10-29T08:53:48.204" v="42" actId="1076"/>
+          <ac:picMkLst>
+            <pc:docMk/>
+            <pc:sldMk cId="3889145494" sldId="260"/>
+            <ac:picMk id="1026" creationId="{81B4F88F-5710-F44D-44B5-743258E20448}"/>
+          </ac:picMkLst>
+        </pc:picChg>
+      </pc:sldChg>
+      <pc:sldChg chg="addSp delSp modSp new mod ord">
+        <pc:chgData name="Song JuYoung" userId="2ab62cc5c92b8695" providerId="LiveId" clId="{4EBEE71B-A046-46A1-8FFD-861068AB1109}" dt="2023-10-29T09:16:17.662" v="185"/>
+        <pc:sldMkLst>
+          <pc:docMk/>
+          <pc:sldMk cId="3404404619" sldId="261"/>
+        </pc:sldMkLst>
+        <pc:spChg chg="del">
+          <ac:chgData name="Song JuYoung" userId="2ab62cc5c92b8695" providerId="LiveId" clId="{4EBEE71B-A046-46A1-8FFD-861068AB1109}" dt="2023-10-29T08:55:14.758" v="44" actId="478"/>
+          <ac:spMkLst>
+            <pc:docMk/>
+            <pc:sldMk cId="3404404619" sldId="261"/>
+            <ac:spMk id="2" creationId="{3CD13F8C-CFF9-8BE0-4BE4-F28EDDCB20EA}"/>
+          </ac:spMkLst>
+        </pc:spChg>
+        <pc:spChg chg="del">
+          <ac:chgData name="Song JuYoung" userId="2ab62cc5c92b8695" providerId="LiveId" clId="{4EBEE71B-A046-46A1-8FFD-861068AB1109}" dt="2023-10-29T08:55:14.758" v="44" actId="478"/>
+          <ac:spMkLst>
+            <pc:docMk/>
+            <pc:sldMk cId="3404404619" sldId="261"/>
+            <ac:spMk id="3" creationId="{3EBF2AAA-5A67-8E45-9F4E-6A9B2161B1B1}"/>
+          </ac:spMkLst>
+        </pc:spChg>
+        <pc:picChg chg="add mod">
+          <ac:chgData name="Song JuYoung" userId="2ab62cc5c92b8695" providerId="LiveId" clId="{4EBEE71B-A046-46A1-8FFD-861068AB1109}" dt="2023-10-29T08:55:29.830" v="51" actId="1076"/>
+          <ac:picMkLst>
+            <pc:docMk/>
+            <pc:sldMk cId="3404404619" sldId="261"/>
+            <ac:picMk id="5" creationId="{66CF73D1-5F56-A113-778E-1711119D93CB}"/>
+          </ac:picMkLst>
+        </pc:picChg>
+        <pc:picChg chg="add mod">
+          <ac:chgData name="Song JuYoung" userId="2ab62cc5c92b8695" providerId="LiveId" clId="{4EBEE71B-A046-46A1-8FFD-861068AB1109}" dt="2023-10-29T08:55:28.506" v="50" actId="1076"/>
+          <ac:picMkLst>
+            <pc:docMk/>
+            <pc:sldMk cId="3404404619" sldId="261"/>
+            <ac:picMk id="7" creationId="{CDFC319A-40B6-AFF5-5597-6C62779DCC8B}"/>
+          </ac:picMkLst>
+        </pc:picChg>
+      </pc:sldChg>
+      <pc:sldChg chg="addSp delSp modSp new mod ord">
+        <pc:chgData name="Song JuYoung" userId="2ab62cc5c92b8695" providerId="LiveId" clId="{4EBEE71B-A046-46A1-8FFD-861068AB1109}" dt="2023-10-29T09:16:17.662" v="185"/>
+        <pc:sldMkLst>
+          <pc:docMk/>
+          <pc:sldMk cId="158942403" sldId="262"/>
+        </pc:sldMkLst>
+        <pc:spChg chg="del">
+          <ac:chgData name="Song JuYoung" userId="2ab62cc5c92b8695" providerId="LiveId" clId="{4EBEE71B-A046-46A1-8FFD-861068AB1109}" dt="2023-10-29T08:55:39.173" v="53" actId="478"/>
+          <ac:spMkLst>
+            <pc:docMk/>
+            <pc:sldMk cId="158942403" sldId="262"/>
+            <ac:spMk id="2" creationId="{1E51E7FC-C807-67B6-2005-5F5953C8705B}"/>
+          </ac:spMkLst>
+        </pc:spChg>
+        <pc:spChg chg="del">
+          <ac:chgData name="Song JuYoung" userId="2ab62cc5c92b8695" providerId="LiveId" clId="{4EBEE71B-A046-46A1-8FFD-861068AB1109}" dt="2023-10-29T08:55:39.173" v="53" actId="478"/>
+          <ac:spMkLst>
+            <pc:docMk/>
+            <pc:sldMk cId="158942403" sldId="262"/>
+            <ac:spMk id="3" creationId="{5CD9AB23-2EC4-3406-DC13-D1D61D3D9781}"/>
+          </ac:spMkLst>
+        </pc:spChg>
+        <pc:picChg chg="add mod">
+          <ac:chgData name="Song JuYoung" userId="2ab62cc5c92b8695" providerId="LiveId" clId="{4EBEE71B-A046-46A1-8FFD-861068AB1109}" dt="2023-10-29T08:55:40.588" v="55" actId="1076"/>
+          <ac:picMkLst>
+            <pc:docMk/>
+            <pc:sldMk cId="158942403" sldId="262"/>
+            <ac:picMk id="5" creationId="{DB869DF8-9A3B-E40C-760C-F08176732DC4}"/>
+          </ac:picMkLst>
+        </pc:picChg>
+      </pc:sldChg>
+      <pc:sldChg chg="addSp delSp new del mod">
+        <pc:chgData name="Song JuYoung" userId="2ab62cc5c92b8695" providerId="LiveId" clId="{4EBEE71B-A046-46A1-8FFD-861068AB1109}" dt="2023-10-29T09:17:11.384" v="189" actId="47"/>
+        <pc:sldMkLst>
+          <pc:docMk/>
+          <pc:sldMk cId="2129555432" sldId="263"/>
+        </pc:sldMkLst>
+        <pc:spChg chg="del">
+          <ac:chgData name="Song JuYoung" userId="2ab62cc5c92b8695" providerId="LiveId" clId="{4EBEE71B-A046-46A1-8FFD-861068AB1109}" dt="2023-10-29T08:55:44.646" v="57" actId="478"/>
+          <ac:spMkLst>
+            <pc:docMk/>
+            <pc:sldMk cId="2129555432" sldId="263"/>
+            <ac:spMk id="2" creationId="{D0C1A56E-FA69-4D22-201C-9401E6FD8C26}"/>
+          </ac:spMkLst>
+        </pc:spChg>
+        <pc:spChg chg="del">
+          <ac:chgData name="Song JuYoung" userId="2ab62cc5c92b8695" providerId="LiveId" clId="{4EBEE71B-A046-46A1-8FFD-861068AB1109}" dt="2023-10-29T08:55:44.646" v="57" actId="478"/>
+          <ac:spMkLst>
+            <pc:docMk/>
+            <pc:sldMk cId="2129555432" sldId="263"/>
+            <ac:spMk id="3" creationId="{97033AE5-1E1B-6258-E527-31707F3C7F3A}"/>
+          </ac:spMkLst>
+        </pc:spChg>
+        <pc:picChg chg="add del">
+          <ac:chgData name="Song JuYoung" userId="2ab62cc5c92b8695" providerId="LiveId" clId="{4EBEE71B-A046-46A1-8FFD-861068AB1109}" dt="2023-10-29T09:17:03.600" v="187" actId="22"/>
+          <ac:picMkLst>
+            <pc:docMk/>
+            <pc:sldMk cId="2129555432" sldId="263"/>
+            <ac:picMk id="5" creationId="{1451517D-BCAF-367F-E591-24829C43D77E}"/>
+          </ac:picMkLst>
+        </pc:picChg>
+      </pc:sldChg>
+      <pc:sldChg chg="addSp delSp new mod ord">
+        <pc:chgData name="Song JuYoung" userId="2ab62cc5c92b8695" providerId="LiveId" clId="{4EBEE71B-A046-46A1-8FFD-861068AB1109}" dt="2023-10-29T09:18:49.057" v="232"/>
+        <pc:sldMkLst>
+          <pc:docMk/>
+          <pc:sldMk cId="608099315" sldId="264"/>
+        </pc:sldMkLst>
+        <pc:spChg chg="del">
+          <ac:chgData name="Song JuYoung" userId="2ab62cc5c92b8695" providerId="LiveId" clId="{4EBEE71B-A046-46A1-8FFD-861068AB1109}" dt="2023-10-29T09:07:32.371" v="59" actId="478"/>
+          <ac:spMkLst>
+            <pc:docMk/>
+            <pc:sldMk cId="608099315" sldId="264"/>
+            <ac:spMk id="2" creationId="{A6F01F11-DDDE-1E50-C5A4-9EDD18B84A39}"/>
+          </ac:spMkLst>
+        </pc:spChg>
+        <pc:spChg chg="del">
+          <ac:chgData name="Song JuYoung" userId="2ab62cc5c92b8695" providerId="LiveId" clId="{4EBEE71B-A046-46A1-8FFD-861068AB1109}" dt="2023-10-29T09:07:32.371" v="59" actId="478"/>
+          <ac:spMkLst>
+            <pc:docMk/>
+            <pc:sldMk cId="608099315" sldId="264"/>
+            <ac:spMk id="3" creationId="{29BE179A-32E7-8318-6FCF-C4344A4A6B4F}"/>
+          </ac:spMkLst>
+        </pc:spChg>
+        <pc:picChg chg="add del">
+          <ac:chgData name="Song JuYoung" userId="2ab62cc5c92b8695" providerId="LiveId" clId="{4EBEE71B-A046-46A1-8FFD-861068AB1109}" dt="2023-10-29T09:08:17.167" v="61" actId="478"/>
+          <ac:picMkLst>
+            <pc:docMk/>
+            <pc:sldMk cId="608099315" sldId="264"/>
+            <ac:picMk id="5" creationId="{17A057DE-ACB9-EFE7-6C8C-480141D35E51}"/>
+          </ac:picMkLst>
+        </pc:picChg>
+        <pc:picChg chg="add">
+          <ac:chgData name="Song JuYoung" userId="2ab62cc5c92b8695" providerId="LiveId" clId="{4EBEE71B-A046-46A1-8FFD-861068AB1109}" dt="2023-10-29T09:08:17.546" v="62" actId="22"/>
+          <ac:picMkLst>
+            <pc:docMk/>
+            <pc:sldMk cId="608099315" sldId="264"/>
+            <ac:picMk id="7" creationId="{88062F18-1DEF-0739-25D0-C4D08F0F9A1A}"/>
+          </ac:picMkLst>
+        </pc:picChg>
+      </pc:sldChg>
+      <pc:sldChg chg="addSp delSp modSp new mod">
+        <pc:chgData name="Song JuYoung" userId="2ab62cc5c92b8695" providerId="LiveId" clId="{4EBEE71B-A046-46A1-8FFD-861068AB1109}" dt="2023-10-29T09:10:39.810" v="82" actId="1076"/>
+        <pc:sldMkLst>
+          <pc:docMk/>
+          <pc:sldMk cId="4047461688" sldId="265"/>
+        </pc:sldMkLst>
+        <pc:spChg chg="del">
+          <ac:chgData name="Song JuYoung" userId="2ab62cc5c92b8695" providerId="LiveId" clId="{4EBEE71B-A046-46A1-8FFD-861068AB1109}" dt="2023-10-29T09:09:09.508" v="72" actId="478"/>
+          <ac:spMkLst>
+            <pc:docMk/>
+            <pc:sldMk cId="4047461688" sldId="265"/>
+            <ac:spMk id="2" creationId="{134A8F22-119A-0ABB-51ED-FFA653ADEF2A}"/>
+          </ac:spMkLst>
+        </pc:spChg>
+        <pc:spChg chg="del">
+          <ac:chgData name="Song JuYoung" userId="2ab62cc5c92b8695" providerId="LiveId" clId="{4EBEE71B-A046-46A1-8FFD-861068AB1109}" dt="2023-10-29T09:09:09.508" v="72" actId="478"/>
+          <ac:spMkLst>
+            <pc:docMk/>
+            <pc:sldMk cId="4047461688" sldId="265"/>
+            <ac:spMk id="3" creationId="{2A7B1DD6-C8C3-0D0B-9E51-35782691A2B5}"/>
+          </ac:spMkLst>
+        </pc:spChg>
+        <pc:picChg chg="add del">
+          <ac:chgData name="Song JuYoung" userId="2ab62cc5c92b8695" providerId="LiveId" clId="{4EBEE71B-A046-46A1-8FFD-861068AB1109}" dt="2023-10-29T09:09:38.088" v="74" actId="478"/>
+          <ac:picMkLst>
+            <pc:docMk/>
+            <pc:sldMk cId="4047461688" sldId="265"/>
+            <ac:picMk id="5" creationId="{7B7B9177-FC5C-06DC-3564-21120000EC0A}"/>
+          </ac:picMkLst>
+        </pc:picChg>
+        <pc:picChg chg="add del mod">
+          <ac:chgData name="Song JuYoung" userId="2ab62cc5c92b8695" providerId="LiveId" clId="{4EBEE71B-A046-46A1-8FFD-861068AB1109}" dt="2023-10-29T09:09:44.521" v="79" actId="478"/>
+          <ac:picMkLst>
+            <pc:docMk/>
+            <pc:sldMk cId="4047461688" sldId="265"/>
+            <ac:picMk id="7" creationId="{0DB51AC3-2888-C36E-0D7D-DA853910391B}"/>
+          </ac:picMkLst>
+        </pc:picChg>
+        <pc:picChg chg="add mod">
+          <ac:chgData name="Song JuYoung" userId="2ab62cc5c92b8695" providerId="LiveId" clId="{4EBEE71B-A046-46A1-8FFD-861068AB1109}" dt="2023-10-29T09:10:39.810" v="82" actId="1076"/>
+          <ac:picMkLst>
+            <pc:docMk/>
+            <pc:sldMk cId="4047461688" sldId="265"/>
+            <ac:picMk id="9" creationId="{7C0B1E98-499D-A150-4DB0-1C32A931CE5E}"/>
+          </ac:picMkLst>
+        </pc:picChg>
+      </pc:sldChg>
+      <pc:sldChg chg="delSp modSp new mod">
+        <pc:chgData name="Song JuYoung" userId="2ab62cc5c92b8695" providerId="LiveId" clId="{4EBEE71B-A046-46A1-8FFD-861068AB1109}" dt="2023-10-29T09:08:25.882" v="71" actId="478"/>
+        <pc:sldMkLst>
+          <pc:docMk/>
+          <pc:sldMk cId="2034094346" sldId="266"/>
+        </pc:sldMkLst>
+        <pc:spChg chg="mod">
+          <ac:chgData name="Song JuYoung" userId="2ab62cc5c92b8695" providerId="LiveId" clId="{4EBEE71B-A046-46A1-8FFD-861068AB1109}" dt="2023-10-29T09:08:23.529" v="70" actId="20577"/>
+          <ac:spMkLst>
+            <pc:docMk/>
+            <pc:sldMk cId="2034094346" sldId="266"/>
+            <ac:spMk id="2" creationId="{5967E33E-1BAB-4B3D-10CE-E6BCB83EE04C}"/>
+          </ac:spMkLst>
+        </pc:spChg>
+        <pc:spChg chg="del">
+          <ac:chgData name="Song JuYoung" userId="2ab62cc5c92b8695" providerId="LiveId" clId="{4EBEE71B-A046-46A1-8FFD-861068AB1109}" dt="2023-10-29T09:08:25.882" v="71" actId="478"/>
+          <ac:spMkLst>
+            <pc:docMk/>
+            <pc:sldMk cId="2034094346" sldId="266"/>
+            <ac:spMk id="3" creationId="{9897C9A6-00C3-1A77-1601-475E81F4D198}"/>
+          </ac:spMkLst>
+        </pc:spChg>
+      </pc:sldChg>
+      <pc:sldChg chg="delSp modSp new mod ord">
+        <pc:chgData name="Song JuYoung" userId="2ab62cc5c92b8695" providerId="LiveId" clId="{4EBEE71B-A046-46A1-8FFD-861068AB1109}" dt="2023-10-29T09:11:16.392" v="103" actId="478"/>
+        <pc:sldMkLst>
+          <pc:docMk/>
+          <pc:sldMk cId="2763428803" sldId="267"/>
+        </pc:sldMkLst>
+        <pc:spChg chg="mod">
+          <ac:chgData name="Song JuYoung" userId="2ab62cc5c92b8695" providerId="LiveId" clId="{4EBEE71B-A046-46A1-8FFD-861068AB1109}" dt="2023-10-29T09:11:12.151" v="102" actId="20577"/>
+          <ac:spMkLst>
+            <pc:docMk/>
+            <pc:sldMk cId="2763428803" sldId="267"/>
+            <ac:spMk id="2" creationId="{57C59898-3719-2391-A12A-0069BFF5BAAC}"/>
+          </ac:spMkLst>
+        </pc:spChg>
+        <pc:spChg chg="del">
+          <ac:chgData name="Song JuYoung" userId="2ab62cc5c92b8695" providerId="LiveId" clId="{4EBEE71B-A046-46A1-8FFD-861068AB1109}" dt="2023-10-29T09:11:16.392" v="103" actId="478"/>
+          <ac:spMkLst>
+            <pc:docMk/>
+            <pc:sldMk cId="2763428803" sldId="267"/>
+            <ac:spMk id="3" creationId="{084FCAA7-D100-5B56-5E30-267D85312927}"/>
+          </ac:spMkLst>
+        </pc:spChg>
+      </pc:sldChg>
+      <pc:sldChg chg="modSp add mod ord">
+        <pc:chgData name="Song JuYoung" userId="2ab62cc5c92b8695" providerId="LiveId" clId="{4EBEE71B-A046-46A1-8FFD-861068AB1109}" dt="2023-10-29T09:16:17.662" v="185"/>
+        <pc:sldMkLst>
+          <pc:docMk/>
+          <pc:sldMk cId="3401723400" sldId="268"/>
+        </pc:sldMkLst>
+        <pc:spChg chg="mod">
+          <ac:chgData name="Song JuYoung" userId="2ab62cc5c92b8695" providerId="LiveId" clId="{4EBEE71B-A046-46A1-8FFD-861068AB1109}" dt="2023-10-29T09:11:24.734" v="120" actId="20577"/>
+          <ac:spMkLst>
+            <pc:docMk/>
+            <pc:sldMk cId="3401723400" sldId="268"/>
+            <ac:spMk id="2" creationId="{57C59898-3719-2391-A12A-0069BFF5BAAC}"/>
+          </ac:spMkLst>
+        </pc:spChg>
+      </pc:sldChg>
+      <pc:sldChg chg="addSp modSp add mod">
+        <pc:chgData name="Song JuYoung" userId="2ab62cc5c92b8695" providerId="LiveId" clId="{4EBEE71B-A046-46A1-8FFD-861068AB1109}" dt="2023-10-29T09:12:57.652" v="159" actId="1076"/>
+        <pc:sldMkLst>
+          <pc:docMk/>
+          <pc:sldMk cId="1929659527" sldId="269"/>
+        </pc:sldMkLst>
+        <pc:spChg chg="mod">
+          <ac:chgData name="Song JuYoung" userId="2ab62cc5c92b8695" providerId="LiveId" clId="{4EBEE71B-A046-46A1-8FFD-861068AB1109}" dt="2023-10-29T09:12:53.598" v="155" actId="1076"/>
+          <ac:spMkLst>
+            <pc:docMk/>
+            <pc:sldMk cId="1929659527" sldId="269"/>
+            <ac:spMk id="2" creationId="{57C59898-3719-2391-A12A-0069BFF5BAAC}"/>
+          </ac:spMkLst>
+        </pc:spChg>
+        <pc:picChg chg="add mod">
+          <ac:chgData name="Song JuYoung" userId="2ab62cc5c92b8695" providerId="LiveId" clId="{4EBEE71B-A046-46A1-8FFD-861068AB1109}" dt="2023-10-29T09:12:55.932" v="158" actId="1076"/>
+          <ac:picMkLst>
+            <pc:docMk/>
+            <pc:sldMk cId="1929659527" sldId="269"/>
+            <ac:picMk id="4" creationId="{B348658B-8F89-D142-73CE-3971F8F2F408}"/>
+          </ac:picMkLst>
+        </pc:picChg>
+        <pc:picChg chg="add mod">
+          <ac:chgData name="Song JuYoung" userId="2ab62cc5c92b8695" providerId="LiveId" clId="{4EBEE71B-A046-46A1-8FFD-861068AB1109}" dt="2023-10-29T09:12:57.652" v="159" actId="1076"/>
+          <ac:picMkLst>
+            <pc:docMk/>
+            <pc:sldMk cId="1929659527" sldId="269"/>
+            <ac:picMk id="6" creationId="{E9DDDFF7-79F6-1D4D-1AAD-E75774366EA3}"/>
+          </ac:picMkLst>
+        </pc:picChg>
+      </pc:sldChg>
+      <pc:sldChg chg="addSp delSp modSp new mod">
+        <pc:chgData name="Song JuYoung" userId="2ab62cc5c92b8695" providerId="LiveId" clId="{4EBEE71B-A046-46A1-8FFD-861068AB1109}" dt="2023-10-29T09:15:17.747" v="169" actId="1076"/>
+        <pc:sldMkLst>
+          <pc:docMk/>
+          <pc:sldMk cId="1815027214" sldId="270"/>
+        </pc:sldMkLst>
+        <pc:spChg chg="del">
+          <ac:chgData name="Song JuYoung" userId="2ab62cc5c92b8695" providerId="LiveId" clId="{4EBEE71B-A046-46A1-8FFD-861068AB1109}" dt="2023-10-29T09:14:57.349" v="161" actId="478"/>
+          <ac:spMkLst>
+            <pc:docMk/>
+            <pc:sldMk cId="1815027214" sldId="270"/>
+            <ac:spMk id="2" creationId="{44DBE925-7D64-A683-C0EE-D3351C4738D4}"/>
+          </ac:spMkLst>
+        </pc:spChg>
+        <pc:spChg chg="del">
+          <ac:chgData name="Song JuYoung" userId="2ab62cc5c92b8695" providerId="LiveId" clId="{4EBEE71B-A046-46A1-8FFD-861068AB1109}" dt="2023-10-29T09:14:57.349" v="161" actId="478"/>
+          <ac:spMkLst>
+            <pc:docMk/>
+            <pc:sldMk cId="1815027214" sldId="270"/>
+            <ac:spMk id="3" creationId="{54AE3137-35A3-BE48-14E3-25E6EC7A25EF}"/>
+          </ac:spMkLst>
+        </pc:spChg>
+        <pc:picChg chg="add mod modCrop">
+          <ac:chgData name="Song JuYoung" userId="2ab62cc5c92b8695" providerId="LiveId" clId="{4EBEE71B-A046-46A1-8FFD-861068AB1109}" dt="2023-10-29T09:15:17.747" v="169" actId="1076"/>
+          <ac:picMkLst>
+            <pc:docMk/>
+            <pc:sldMk cId="1815027214" sldId="270"/>
+            <ac:picMk id="5" creationId="{899C3153-1B95-9156-EED8-DFB80EBD4A98}"/>
+          </ac:picMkLst>
+        </pc:picChg>
+        <pc:picChg chg="add mod">
+          <ac:chgData name="Song JuYoung" userId="2ab62cc5c92b8695" providerId="LiveId" clId="{4EBEE71B-A046-46A1-8FFD-861068AB1109}" dt="2023-10-29T09:15:08.880" v="165" actId="14100"/>
+          <ac:picMkLst>
+            <pc:docMk/>
+            <pc:sldMk cId="1815027214" sldId="270"/>
+            <ac:picMk id="7" creationId="{E67D0513-E70F-3AFE-BF59-DFA484A97A4A}"/>
+          </ac:picMkLst>
+        </pc:picChg>
+      </pc:sldChg>
+      <pc:sldChg chg="addSp delSp modSp new mod">
+        <pc:chgData name="Song JuYoung" userId="2ab62cc5c92b8695" providerId="LiveId" clId="{4EBEE71B-A046-46A1-8FFD-861068AB1109}" dt="2023-10-29T09:15:59.529" v="182" actId="1076"/>
+        <pc:sldMkLst>
+          <pc:docMk/>
+          <pc:sldMk cId="2609953614" sldId="271"/>
+        </pc:sldMkLst>
+        <pc:spChg chg="del">
+          <ac:chgData name="Song JuYoung" userId="2ab62cc5c92b8695" providerId="LiveId" clId="{4EBEE71B-A046-46A1-8FFD-861068AB1109}" dt="2023-10-29T09:15:35.717" v="171" actId="478"/>
+          <ac:spMkLst>
+            <pc:docMk/>
+            <pc:sldMk cId="2609953614" sldId="271"/>
+            <ac:spMk id="2" creationId="{956F5929-FEBC-76A2-A16F-E48F67E82258}"/>
+          </ac:spMkLst>
+        </pc:spChg>
+        <pc:spChg chg="del">
+          <ac:chgData name="Song JuYoung" userId="2ab62cc5c92b8695" providerId="LiveId" clId="{4EBEE71B-A046-46A1-8FFD-861068AB1109}" dt="2023-10-29T09:15:35.717" v="171" actId="478"/>
+          <ac:spMkLst>
+            <pc:docMk/>
+            <pc:sldMk cId="2609953614" sldId="271"/>
+            <ac:spMk id="3" creationId="{5DA04559-5453-6433-6091-A6E162EC8EF2}"/>
+          </ac:spMkLst>
+        </pc:spChg>
+        <pc:picChg chg="add mod">
+          <ac:chgData name="Song JuYoung" userId="2ab62cc5c92b8695" providerId="LiveId" clId="{4EBEE71B-A046-46A1-8FFD-861068AB1109}" dt="2023-10-29T09:15:54.279" v="179" actId="14100"/>
+          <ac:picMkLst>
+            <pc:docMk/>
+            <pc:sldMk cId="2609953614" sldId="271"/>
+            <ac:picMk id="5" creationId="{1B5C315A-CA74-B88A-A6A6-7CBA85511FBD}"/>
+          </ac:picMkLst>
+        </pc:picChg>
+        <pc:picChg chg="add mod">
+          <ac:chgData name="Song JuYoung" userId="2ab62cc5c92b8695" providerId="LiveId" clId="{4EBEE71B-A046-46A1-8FFD-861068AB1109}" dt="2023-10-29T09:15:59.529" v="182" actId="1076"/>
+          <ac:picMkLst>
+            <pc:docMk/>
+            <pc:sldMk cId="2609953614" sldId="271"/>
+            <ac:picMk id="2050" creationId="{39FCBD55-04D2-DBA6-24AF-CDA76CECB2A7}"/>
+          </ac:picMkLst>
+        </pc:picChg>
+      </pc:sldChg>
+      <pc:sldChg chg="addSp delSp new mod">
+        <pc:chgData name="Song JuYoung" userId="2ab62cc5c92b8695" providerId="LiveId" clId="{4EBEE71B-A046-46A1-8FFD-861068AB1109}" dt="2023-10-29T09:20:31.356" v="236" actId="22"/>
+        <pc:sldMkLst>
+          <pc:docMk/>
+          <pc:sldMk cId="4028014239" sldId="272"/>
+        </pc:sldMkLst>
+        <pc:spChg chg="del">
+          <ac:chgData name="Song JuYoung" userId="2ab62cc5c92b8695" providerId="LiveId" clId="{4EBEE71B-A046-46A1-8FFD-861068AB1109}" dt="2023-10-29T09:18:57.610" v="233" actId="478"/>
+          <ac:spMkLst>
+            <pc:docMk/>
+            <pc:sldMk cId="4028014239" sldId="272"/>
+            <ac:spMk id="2" creationId="{AB259DBB-1C95-4EF8-2330-5A2121FEC492}"/>
+          </ac:spMkLst>
+        </pc:spChg>
+        <pc:spChg chg="del">
+          <ac:chgData name="Song JuYoung" userId="2ab62cc5c92b8695" providerId="LiveId" clId="{4EBEE71B-A046-46A1-8FFD-861068AB1109}" dt="2023-10-29T09:18:57.610" v="233" actId="478"/>
+          <ac:spMkLst>
+            <pc:docMk/>
+            <pc:sldMk cId="4028014239" sldId="272"/>
+            <ac:spMk id="3" creationId="{28341336-D2B9-EA07-387D-303B33A7C886}"/>
+          </ac:spMkLst>
+        </pc:spChg>
+        <pc:picChg chg="add">
+          <ac:chgData name="Song JuYoung" userId="2ab62cc5c92b8695" providerId="LiveId" clId="{4EBEE71B-A046-46A1-8FFD-861068AB1109}" dt="2023-10-29T09:20:31.356" v="236" actId="22"/>
+          <ac:picMkLst>
+            <pc:docMk/>
+            <pc:sldMk cId="4028014239" sldId="272"/>
+            <ac:picMk id="5" creationId="{A25BB444-A157-CE1F-E65E-CA495BBE1D17}"/>
+          </ac:picMkLst>
+        </pc:picChg>
+        <pc:picChg chg="add del">
+          <ac:chgData name="Song JuYoung" userId="2ab62cc5c92b8695" providerId="LiveId" clId="{4EBEE71B-A046-46A1-8FFD-861068AB1109}" dt="2023-10-29T09:18:58.213" v="235"/>
+          <ac:picMkLst>
+            <pc:docMk/>
+            <pc:sldMk cId="4028014239" sldId="272"/>
+            <ac:picMk id="4098" creationId="{6C102609-0B54-E048-C7A6-26F72FC97BB3}"/>
+          </ac:picMkLst>
+        </pc:picChg>
+      </pc:sldChg>
+      <pc:sldChg chg="modSp add mod">
+        <pc:chgData name="Song JuYoung" userId="2ab62cc5c92b8695" providerId="LiveId" clId="{4EBEE71B-A046-46A1-8FFD-861068AB1109}" dt="2023-10-29T09:17:17.144" v="214" actId="20577"/>
+        <pc:sldMkLst>
+          <pc:docMk/>
+          <pc:sldMk cId="2668604905" sldId="273"/>
+        </pc:sldMkLst>
+        <pc:spChg chg="mod">
+          <ac:chgData name="Song JuYoung" userId="2ab62cc5c92b8695" providerId="LiveId" clId="{4EBEE71B-A046-46A1-8FFD-861068AB1109}" dt="2023-10-29T09:17:17.144" v="214" actId="20577"/>
+          <ac:spMkLst>
+            <pc:docMk/>
+            <pc:sldMk cId="2668604905" sldId="273"/>
+            <ac:spMk id="2" creationId="{57C59898-3719-2391-A12A-0069BFF5BAAC}"/>
+          </ac:spMkLst>
+        </pc:spChg>
+      </pc:sldChg>
+      <pc:sldChg chg="addSp delSp modSp new mod">
+        <pc:chgData name="Song JuYoung" userId="2ab62cc5c92b8695" providerId="LiveId" clId="{4EBEE71B-A046-46A1-8FFD-861068AB1109}" dt="2023-10-29T09:18:27.557" v="230" actId="14100"/>
+        <pc:sldMkLst>
+          <pc:docMk/>
+          <pc:sldMk cId="134499159" sldId="274"/>
+        </pc:sldMkLst>
+        <pc:spChg chg="del">
+          <ac:chgData name="Song JuYoung" userId="2ab62cc5c92b8695" providerId="LiveId" clId="{4EBEE71B-A046-46A1-8FFD-861068AB1109}" dt="2023-10-29T09:17:39.342" v="216" actId="478"/>
+          <ac:spMkLst>
+            <pc:docMk/>
+            <pc:sldMk cId="134499159" sldId="274"/>
+            <ac:spMk id="2" creationId="{C1A421CB-56C3-EBEE-A9FA-64DC6E1E6D4B}"/>
+          </ac:spMkLst>
+        </pc:spChg>
+        <pc:spChg chg="del">
+          <ac:chgData name="Song JuYoung" userId="2ab62cc5c92b8695" providerId="LiveId" clId="{4EBEE71B-A046-46A1-8FFD-861068AB1109}" dt="2023-10-29T09:17:39.342" v="216" actId="478"/>
+          <ac:spMkLst>
+            <pc:docMk/>
+            <pc:sldMk cId="134499159" sldId="274"/>
+            <ac:spMk id="3" creationId="{A542F500-3795-037E-FFB5-828886E9BE95}"/>
+          </ac:spMkLst>
+        </pc:spChg>
+        <pc:picChg chg="add mod">
+          <ac:chgData name="Song JuYoung" userId="2ab62cc5c92b8695" providerId="LiveId" clId="{4EBEE71B-A046-46A1-8FFD-861068AB1109}" dt="2023-10-29T09:17:46.543" v="219"/>
+          <ac:picMkLst>
+            <pc:docMk/>
+            <pc:sldMk cId="134499159" sldId="274"/>
+            <ac:picMk id="4" creationId="{9EF9B47B-38A9-BA14-54B3-FE7E6CF3AF24}"/>
+          </ac:picMkLst>
+        </pc:picChg>
+        <pc:picChg chg="add mod">
+          <ac:chgData name="Song JuYoung" userId="2ab62cc5c92b8695" providerId="LiveId" clId="{4EBEE71B-A046-46A1-8FFD-861068AB1109}" dt="2023-10-29T09:18:27.557" v="230" actId="14100"/>
+          <ac:picMkLst>
+            <pc:docMk/>
+            <pc:sldMk cId="134499159" sldId="274"/>
+            <ac:picMk id="3074" creationId="{8779C0BC-D795-2F12-D9B7-CBFA4A2EEB6B}"/>
+          </ac:picMkLst>
+        </pc:picChg>
+        <pc:picChg chg="add mod">
+          <ac:chgData name="Song JuYoung" userId="2ab62cc5c92b8695" providerId="LiveId" clId="{4EBEE71B-A046-46A1-8FFD-861068AB1109}" dt="2023-10-29T09:18:23.314" v="228" actId="1076"/>
+          <ac:picMkLst>
+            <pc:docMk/>
+            <pc:sldMk cId="134499159" sldId="274"/>
+            <ac:picMk id="3076" creationId="{6D3CFE87-F298-3CEF-4463-CF84FE9117E1}"/>
+          </ac:picMkLst>
+        </pc:picChg>
+      </pc:sldChg>
+      <pc:sldChg chg="delSp new mod">
+        <pc:chgData name="Song JuYoung" userId="2ab62cc5c92b8695" providerId="LiveId" clId="{4EBEE71B-A046-46A1-8FFD-861068AB1109}" dt="2023-10-29T09:21:43.727" v="243" actId="478"/>
+        <pc:sldMkLst>
+          <pc:docMk/>
+          <pc:sldMk cId="1126828988" sldId="275"/>
+        </pc:sldMkLst>
+        <pc:spChg chg="del">
+          <ac:chgData name="Song JuYoung" userId="2ab62cc5c92b8695" providerId="LiveId" clId="{4EBEE71B-A046-46A1-8FFD-861068AB1109}" dt="2023-10-29T09:21:43.727" v="243" actId="478"/>
+          <ac:spMkLst>
+            <pc:docMk/>
+            <pc:sldMk cId="1126828988" sldId="275"/>
+            <ac:spMk id="2" creationId="{3DCB6601-8A7F-5E36-1E29-0D0D8885F314}"/>
+          </ac:spMkLst>
+        </pc:spChg>
+        <pc:spChg chg="del">
+          <ac:chgData name="Song JuYoung" userId="2ab62cc5c92b8695" providerId="LiveId" clId="{4EBEE71B-A046-46A1-8FFD-861068AB1109}" dt="2023-10-29T09:21:43.727" v="243" actId="478"/>
+          <ac:spMkLst>
+            <pc:docMk/>
+            <pc:sldMk cId="1126828988" sldId="275"/>
+            <ac:spMk id="3" creationId="{917F77A0-5848-6C15-C633-1B43BB5F8C92}"/>
+          </ac:spMkLst>
+        </pc:spChg>
+      </pc:sldChg>
+    </pc:docChg>
+  </pc:docChgLst>
+</pc:chgInfo>
 </file>
 
 <file path=ppt/slideLayouts/slideLayout1.xml><?xml version="1.0" encoding="utf-8"?>
@@ -2966,6 +3698,944 @@
           <a:chExt cx="0" cy="0"/>
         </a:xfrm>
       </p:grpSpPr>
+      <p:sp>
+        <p:nvSpPr>
+          <p:cNvPr id="2" name="제목 1">
+            <a:extLst>
+              <a:ext uri="{FF2B5EF4-FFF2-40B4-BE49-F238E27FC236}">
+                <a16:creationId xmlns:a16="http://schemas.microsoft.com/office/drawing/2014/main" id="{57C59898-3719-2391-A12A-0069BFF5BAAC}"/>
+              </a:ext>
+            </a:extLst>
+          </p:cNvPr>
+          <p:cNvSpPr>
+            <a:spLocks noGrp="1"/>
+          </p:cNvSpPr>
+          <p:nvPr>
+            <p:ph type="title"/>
+          </p:nvPr>
+        </p:nvSpPr>
+        <p:spPr/>
+        <p:txBody>
+          <a:bodyPr/>
+          <a:lstStyle/>
+          <a:p>
+            <a:r>
+              <a:rPr lang="ko-KR" altLang="en-US" dirty="0"/>
+              <a:t>섬의 개수</a:t>
+            </a:r>
+          </a:p>
+        </p:txBody>
+      </p:sp>
+    </p:spTree>
+    <p:extLst>
+      <p:ext uri="{BB962C8B-B14F-4D97-AF65-F5344CB8AC3E}">
+        <p14:creationId xmlns:p14="http://schemas.microsoft.com/office/powerpoint/2010/main" val="2763428803"/>
+      </p:ext>
+    </p:extLst>
+  </p:cSld>
+  <p:clrMapOvr>
+    <a:masterClrMapping/>
+  </p:clrMapOvr>
+</p:sld>
+</file>
+
+<file path=ppt/slides/slide10.xml><?xml version="1.0" encoding="utf-8"?>
+<p:sld xmlns:a="http://schemas.openxmlformats.org/drawingml/2006/main" xmlns:r="http://schemas.openxmlformats.org/officeDocument/2006/relationships" xmlns:p="http://schemas.openxmlformats.org/presentationml/2006/main">
+  <p:cSld>
+    <p:spTree>
+      <p:nvGrpSpPr>
+        <p:cNvPr id="1" name=""/>
+        <p:cNvGrpSpPr/>
+        <p:nvPr/>
+      </p:nvGrpSpPr>
+      <p:grpSpPr>
+        <a:xfrm>
+          <a:off x="0" y="0"/>
+          <a:ext cx="0" cy="0"/>
+          <a:chOff x="0" y="0"/>
+          <a:chExt cx="0" cy="0"/>
+        </a:xfrm>
+      </p:grpSpPr>
+      <p:pic>
+        <p:nvPicPr>
+          <p:cNvPr id="5" name="그림 4">
+            <a:extLst>
+              <a:ext uri="{FF2B5EF4-FFF2-40B4-BE49-F238E27FC236}">
+                <a16:creationId xmlns:a16="http://schemas.microsoft.com/office/drawing/2014/main" id="{899C3153-1B95-9156-EED8-DFB80EBD4A98}"/>
+              </a:ext>
+            </a:extLst>
+          </p:cNvPr>
+          <p:cNvPicPr>
+            <a:picLocks noChangeAspect="1"/>
+          </p:cNvPicPr>
+          <p:nvPr/>
+        </p:nvPicPr>
+        <p:blipFill rotWithShape="1">
+          <a:blip r:embed="rId2"/>
+          <a:srcRect r="24331" b="25552"/>
+          <a:stretch/>
+        </p:blipFill>
+        <p:spPr>
+          <a:xfrm>
+            <a:off x="0" y="1456657"/>
+            <a:ext cx="6809573" cy="6509331"/>
+          </a:xfrm>
+          <a:prstGeom prst="rect">
+            <a:avLst/>
+          </a:prstGeom>
+        </p:spPr>
+      </p:pic>
+      <p:pic>
+        <p:nvPicPr>
+          <p:cNvPr id="7" name="그림 6">
+            <a:extLst>
+              <a:ext uri="{FF2B5EF4-FFF2-40B4-BE49-F238E27FC236}">
+                <a16:creationId xmlns:a16="http://schemas.microsoft.com/office/drawing/2014/main" id="{E67D0513-E70F-3AFE-BF59-DFA484A97A4A}"/>
+              </a:ext>
+            </a:extLst>
+          </p:cNvPr>
+          <p:cNvPicPr>
+            <a:picLocks noChangeAspect="1"/>
+          </p:cNvPicPr>
+          <p:nvPr/>
+        </p:nvPicPr>
+        <p:blipFill>
+          <a:blip r:embed="rId3"/>
+          <a:stretch>
+            <a:fillRect/>
+          </a:stretch>
+        </p:blipFill>
+        <p:spPr>
+          <a:xfrm>
+            <a:off x="0" y="96107"/>
+            <a:ext cx="5189426" cy="1139569"/>
+          </a:xfrm>
+          <a:prstGeom prst="rect">
+            <a:avLst/>
+          </a:prstGeom>
+        </p:spPr>
+      </p:pic>
+    </p:spTree>
+    <p:extLst>
+      <p:ext uri="{BB962C8B-B14F-4D97-AF65-F5344CB8AC3E}">
+        <p14:creationId xmlns:p14="http://schemas.microsoft.com/office/powerpoint/2010/main" val="1815027214"/>
+      </p:ext>
+    </p:extLst>
+  </p:cSld>
+  <p:clrMapOvr>
+    <a:masterClrMapping/>
+  </p:clrMapOvr>
+</p:sld>
+</file>
+
+<file path=ppt/slides/slide11.xml><?xml version="1.0" encoding="utf-8"?>
+<p:sld xmlns:a="http://schemas.openxmlformats.org/drawingml/2006/main" xmlns:r="http://schemas.openxmlformats.org/officeDocument/2006/relationships" xmlns:p="http://schemas.openxmlformats.org/presentationml/2006/main">
+  <p:cSld>
+    <p:spTree>
+      <p:nvGrpSpPr>
+        <p:cNvPr id="1" name=""/>
+        <p:cNvGrpSpPr/>
+        <p:nvPr/>
+      </p:nvGrpSpPr>
+      <p:grpSpPr>
+        <a:xfrm>
+          <a:off x="0" y="0"/>
+          <a:ext cx="0" cy="0"/>
+          <a:chOff x="0" y="0"/>
+          <a:chExt cx="0" cy="0"/>
+        </a:xfrm>
+      </p:grpSpPr>
+      <p:pic>
+        <p:nvPicPr>
+          <p:cNvPr id="2050" name="Picture 2">
+            <a:extLst>
+              <a:ext uri="{FF2B5EF4-FFF2-40B4-BE49-F238E27FC236}">
+                <a16:creationId xmlns:a16="http://schemas.microsoft.com/office/drawing/2014/main" id="{39FCBD55-04D2-DBA6-24AF-CDA76CECB2A7}"/>
+              </a:ext>
+            </a:extLst>
+          </p:cNvPr>
+          <p:cNvPicPr>
+            <a:picLocks noChangeAspect="1" noChangeArrowheads="1"/>
+          </p:cNvPicPr>
+          <p:nvPr/>
+        </p:nvPicPr>
+        <p:blipFill rotWithShape="1">
+          <a:blip r:embed="rId2">
+            <a:extLst>
+              <a:ext uri="{28A0092B-C50C-407E-A947-70E740481C1C}">
+                <a14:useLocalDpi xmlns:a14="http://schemas.microsoft.com/office/drawing/2010/main" val="0"/>
+              </a:ext>
+            </a:extLst>
+          </a:blip>
+          <a:srcRect r="15316"/>
+          <a:stretch/>
+        </p:blipFill>
+        <p:spPr bwMode="auto">
+          <a:xfrm>
+            <a:off x="0" y="1627531"/>
+            <a:ext cx="6763460" cy="5555520"/>
+          </a:xfrm>
+          <a:prstGeom prst="rect">
+            <a:avLst/>
+          </a:prstGeom>
+          <a:noFill/>
+          <a:extLst>
+            <a:ext uri="{909E8E84-426E-40DD-AFC4-6F175D3DCCD1}">
+              <a14:hiddenFill xmlns:a14="http://schemas.microsoft.com/office/drawing/2010/main">
+                <a:solidFill>
+                  <a:srgbClr val="FFFFFF"/>
+                </a:solidFill>
+              </a14:hiddenFill>
+            </a:ext>
+          </a:extLst>
+        </p:spPr>
+      </p:pic>
+      <p:pic>
+        <p:nvPicPr>
+          <p:cNvPr id="5" name="그림 4">
+            <a:extLst>
+              <a:ext uri="{FF2B5EF4-FFF2-40B4-BE49-F238E27FC236}">
+                <a16:creationId xmlns:a16="http://schemas.microsoft.com/office/drawing/2014/main" id="{1B5C315A-CA74-B88A-A6A6-7CBA85511FBD}"/>
+              </a:ext>
+            </a:extLst>
+          </p:cNvPr>
+          <p:cNvPicPr>
+            <a:picLocks noChangeAspect="1"/>
+          </p:cNvPicPr>
+          <p:nvPr/>
+        </p:nvPicPr>
+        <p:blipFill>
+          <a:blip r:embed="rId3"/>
+          <a:stretch>
+            <a:fillRect/>
+          </a:stretch>
+        </p:blipFill>
+        <p:spPr>
+          <a:xfrm>
+            <a:off x="1" y="113756"/>
+            <a:ext cx="4464908" cy="892981"/>
+          </a:xfrm>
+          <a:prstGeom prst="rect">
+            <a:avLst/>
+          </a:prstGeom>
+        </p:spPr>
+      </p:pic>
+    </p:spTree>
+    <p:extLst>
+      <p:ext uri="{BB962C8B-B14F-4D97-AF65-F5344CB8AC3E}">
+        <p14:creationId xmlns:p14="http://schemas.microsoft.com/office/powerpoint/2010/main" val="2609953614"/>
+      </p:ext>
+    </p:extLst>
+  </p:cSld>
+  <p:clrMapOvr>
+    <a:masterClrMapping/>
+  </p:clrMapOvr>
+</p:sld>
+</file>
+
+<file path=ppt/slides/slide12.xml><?xml version="1.0" encoding="utf-8"?>
+<p:sld xmlns:a="http://schemas.openxmlformats.org/drawingml/2006/main" xmlns:r="http://schemas.openxmlformats.org/officeDocument/2006/relationships" xmlns:p="http://schemas.openxmlformats.org/presentationml/2006/main">
+  <p:cSld>
+    <p:spTree>
+      <p:nvGrpSpPr>
+        <p:cNvPr id="1" name=""/>
+        <p:cNvGrpSpPr/>
+        <p:nvPr/>
+      </p:nvGrpSpPr>
+      <p:grpSpPr>
+        <a:xfrm>
+          <a:off x="0" y="0"/>
+          <a:ext cx="0" cy="0"/>
+          <a:chOff x="0" y="0"/>
+          <a:chExt cx="0" cy="0"/>
+        </a:xfrm>
+      </p:grpSpPr>
+      <p:sp>
+        <p:nvSpPr>
+          <p:cNvPr id="2" name="제목 1">
+            <a:extLst>
+              <a:ext uri="{FF2B5EF4-FFF2-40B4-BE49-F238E27FC236}">
+                <a16:creationId xmlns:a16="http://schemas.microsoft.com/office/drawing/2014/main" id="{57C59898-3719-2391-A12A-0069BFF5BAAC}"/>
+              </a:ext>
+            </a:extLst>
+          </p:cNvPr>
+          <p:cNvSpPr>
+            <a:spLocks noGrp="1"/>
+          </p:cNvSpPr>
+          <p:nvPr>
+            <p:ph type="title"/>
+          </p:nvPr>
+        </p:nvSpPr>
+        <p:spPr/>
+        <p:txBody>
+          <a:bodyPr/>
+          <a:lstStyle/>
+          <a:p>
+            <a:r>
+              <a:rPr lang="ko-KR" altLang="en-US" dirty="0"/>
+              <a:t>안전영역</a:t>
+            </a:r>
+          </a:p>
+        </p:txBody>
+      </p:sp>
+    </p:spTree>
+    <p:extLst>
+      <p:ext uri="{BB962C8B-B14F-4D97-AF65-F5344CB8AC3E}">
+        <p14:creationId xmlns:p14="http://schemas.microsoft.com/office/powerpoint/2010/main" val="3401723400"/>
+      </p:ext>
+    </p:extLst>
+  </p:cSld>
+  <p:clrMapOvr>
+    <a:masterClrMapping/>
+  </p:clrMapOvr>
+</p:sld>
+</file>
+
+<file path=ppt/slides/slide13.xml><?xml version="1.0" encoding="utf-8"?>
+<p:sld xmlns:a="http://schemas.openxmlformats.org/drawingml/2006/main" xmlns:r="http://schemas.openxmlformats.org/officeDocument/2006/relationships" xmlns:p="http://schemas.openxmlformats.org/presentationml/2006/main">
+  <p:cSld>
+    <p:spTree>
+      <p:nvGrpSpPr>
+        <p:cNvPr id="1" name=""/>
+        <p:cNvGrpSpPr/>
+        <p:nvPr/>
+      </p:nvGrpSpPr>
+      <p:grpSpPr>
+        <a:xfrm>
+          <a:off x="0" y="0"/>
+          <a:ext cx="0" cy="0"/>
+          <a:chOff x="0" y="0"/>
+          <a:chExt cx="0" cy="0"/>
+        </a:xfrm>
+      </p:grpSpPr>
+      <p:pic>
+        <p:nvPicPr>
+          <p:cNvPr id="5" name="그림 4">
+            <a:extLst>
+              <a:ext uri="{FF2B5EF4-FFF2-40B4-BE49-F238E27FC236}">
+                <a16:creationId xmlns:a16="http://schemas.microsoft.com/office/drawing/2014/main" id="{66CF73D1-5F56-A113-778E-1711119D93CB}"/>
+              </a:ext>
+            </a:extLst>
+          </p:cNvPr>
+          <p:cNvPicPr>
+            <a:picLocks noChangeAspect="1"/>
+          </p:cNvPicPr>
+          <p:nvPr/>
+        </p:nvPicPr>
+        <p:blipFill>
+          <a:blip r:embed="rId2"/>
+          <a:stretch>
+            <a:fillRect/>
+          </a:stretch>
+        </p:blipFill>
+        <p:spPr>
+          <a:xfrm>
+            <a:off x="0" y="95250"/>
+            <a:ext cx="6858000" cy="5140619"/>
+          </a:xfrm>
+          <a:prstGeom prst="rect">
+            <a:avLst/>
+          </a:prstGeom>
+        </p:spPr>
+      </p:pic>
+      <p:pic>
+        <p:nvPicPr>
+          <p:cNvPr id="7" name="그림 6">
+            <a:extLst>
+              <a:ext uri="{FF2B5EF4-FFF2-40B4-BE49-F238E27FC236}">
+                <a16:creationId xmlns:a16="http://schemas.microsoft.com/office/drawing/2014/main" id="{CDFC319A-40B6-AFF5-5597-6C62779DCC8B}"/>
+              </a:ext>
+            </a:extLst>
+          </p:cNvPr>
+          <p:cNvPicPr>
+            <a:picLocks noChangeAspect="1"/>
+          </p:cNvPicPr>
+          <p:nvPr/>
+        </p:nvPicPr>
+        <p:blipFill>
+          <a:blip r:embed="rId3"/>
+          <a:stretch>
+            <a:fillRect/>
+          </a:stretch>
+        </p:blipFill>
+        <p:spPr>
+          <a:xfrm>
+            <a:off x="0" y="5573128"/>
+            <a:ext cx="6858000" cy="3951872"/>
+          </a:xfrm>
+          <a:prstGeom prst="rect">
+            <a:avLst/>
+          </a:prstGeom>
+        </p:spPr>
+      </p:pic>
+    </p:spTree>
+    <p:extLst>
+      <p:ext uri="{BB962C8B-B14F-4D97-AF65-F5344CB8AC3E}">
+        <p14:creationId xmlns:p14="http://schemas.microsoft.com/office/powerpoint/2010/main" val="3404404619"/>
+      </p:ext>
+    </p:extLst>
+  </p:cSld>
+  <p:clrMapOvr>
+    <a:masterClrMapping/>
+  </p:clrMapOvr>
+</p:sld>
+</file>
+
+<file path=ppt/slides/slide14.xml><?xml version="1.0" encoding="utf-8"?>
+<p:sld xmlns:a="http://schemas.openxmlformats.org/drawingml/2006/main" xmlns:r="http://schemas.openxmlformats.org/officeDocument/2006/relationships" xmlns:p="http://schemas.openxmlformats.org/presentationml/2006/main">
+  <p:cSld>
+    <p:spTree>
+      <p:nvGrpSpPr>
+        <p:cNvPr id="1" name=""/>
+        <p:cNvGrpSpPr/>
+        <p:nvPr/>
+      </p:nvGrpSpPr>
+      <p:grpSpPr>
+        <a:xfrm>
+          <a:off x="0" y="0"/>
+          <a:ext cx="0" cy="0"/>
+          <a:chOff x="0" y="0"/>
+          <a:chExt cx="0" cy="0"/>
+        </a:xfrm>
+      </p:grpSpPr>
+      <p:pic>
+        <p:nvPicPr>
+          <p:cNvPr id="5" name="그림 4">
+            <a:extLst>
+              <a:ext uri="{FF2B5EF4-FFF2-40B4-BE49-F238E27FC236}">
+                <a16:creationId xmlns:a16="http://schemas.microsoft.com/office/drawing/2014/main" id="{DB869DF8-9A3B-E40C-760C-F08176732DC4}"/>
+              </a:ext>
+            </a:extLst>
+          </p:cNvPr>
+          <p:cNvPicPr>
+            <a:picLocks noChangeAspect="1"/>
+          </p:cNvPicPr>
+          <p:nvPr/>
+        </p:nvPicPr>
+        <p:blipFill>
+          <a:blip r:embed="rId2"/>
+          <a:stretch>
+            <a:fillRect/>
+          </a:stretch>
+        </p:blipFill>
+        <p:spPr>
+          <a:xfrm>
+            <a:off x="0" y="1280610"/>
+            <a:ext cx="6858000" cy="2487030"/>
+          </a:xfrm>
+          <a:prstGeom prst="rect">
+            <a:avLst/>
+          </a:prstGeom>
+        </p:spPr>
+      </p:pic>
+    </p:spTree>
+    <p:extLst>
+      <p:ext uri="{BB962C8B-B14F-4D97-AF65-F5344CB8AC3E}">
+        <p14:creationId xmlns:p14="http://schemas.microsoft.com/office/powerpoint/2010/main" val="158942403"/>
+      </p:ext>
+    </p:extLst>
+  </p:cSld>
+  <p:clrMapOvr>
+    <a:masterClrMapping/>
+  </p:clrMapOvr>
+</p:sld>
+</file>
+
+<file path=ppt/slides/slide15.xml><?xml version="1.0" encoding="utf-8"?>
+<p:sld xmlns:a="http://schemas.openxmlformats.org/drawingml/2006/main" xmlns:r="http://schemas.openxmlformats.org/officeDocument/2006/relationships" xmlns:p="http://schemas.openxmlformats.org/presentationml/2006/main">
+  <p:cSld>
+    <p:spTree>
+      <p:nvGrpSpPr>
+        <p:cNvPr id="1" name=""/>
+        <p:cNvGrpSpPr/>
+        <p:nvPr/>
+      </p:nvGrpSpPr>
+      <p:grpSpPr>
+        <a:xfrm>
+          <a:off x="0" y="0"/>
+          <a:ext cx="0" cy="0"/>
+          <a:chOff x="0" y="0"/>
+          <a:chExt cx="0" cy="0"/>
+        </a:xfrm>
+      </p:grpSpPr>
+      <p:pic>
+        <p:nvPicPr>
+          <p:cNvPr id="3074" name="Picture 2">
+            <a:extLst>
+              <a:ext uri="{FF2B5EF4-FFF2-40B4-BE49-F238E27FC236}">
+                <a16:creationId xmlns:a16="http://schemas.microsoft.com/office/drawing/2014/main" id="{8779C0BC-D795-2F12-D9B7-CBFA4A2EEB6B}"/>
+              </a:ext>
+            </a:extLst>
+          </p:cNvPr>
+          <p:cNvPicPr>
+            <a:picLocks noChangeAspect="1" noChangeArrowheads="1"/>
+          </p:cNvPicPr>
+          <p:nvPr/>
+        </p:nvPicPr>
+        <p:blipFill rotWithShape="1">
+          <a:blip r:embed="rId2">
+            <a:extLst>
+              <a:ext uri="{28A0092B-C50C-407E-A947-70E740481C1C}">
+                <a14:useLocalDpi xmlns:a14="http://schemas.microsoft.com/office/drawing/2010/main" val="0"/>
+              </a:ext>
+            </a:extLst>
+          </a:blip>
+          <a:srcRect r="20106"/>
+          <a:stretch/>
+        </p:blipFill>
+        <p:spPr bwMode="auto">
+          <a:xfrm>
+            <a:off x="0" y="1006737"/>
+            <a:ext cx="6350000" cy="6485357"/>
+          </a:xfrm>
+          <a:prstGeom prst="rect">
+            <a:avLst/>
+          </a:prstGeom>
+          <a:noFill/>
+          <a:extLst>
+            <a:ext uri="{909E8E84-426E-40DD-AFC4-6F175D3DCCD1}">
+              <a14:hiddenFill xmlns:a14="http://schemas.microsoft.com/office/drawing/2010/main">
+                <a:solidFill>
+                  <a:srgbClr val="FFFFFF"/>
+                </a:solidFill>
+              </a14:hiddenFill>
+            </a:ext>
+          </a:extLst>
+        </p:spPr>
+      </p:pic>
+      <p:pic>
+        <p:nvPicPr>
+          <p:cNvPr id="4" name="그림 3">
+            <a:extLst>
+              <a:ext uri="{FF2B5EF4-FFF2-40B4-BE49-F238E27FC236}">
+                <a16:creationId xmlns:a16="http://schemas.microsoft.com/office/drawing/2014/main" id="{9EF9B47B-38A9-BA14-54B3-FE7E6CF3AF24}"/>
+              </a:ext>
+            </a:extLst>
+          </p:cNvPr>
+          <p:cNvPicPr>
+            <a:picLocks noChangeAspect="1"/>
+          </p:cNvPicPr>
+          <p:nvPr/>
+        </p:nvPicPr>
+        <p:blipFill>
+          <a:blip r:embed="rId3"/>
+          <a:stretch>
+            <a:fillRect/>
+          </a:stretch>
+        </p:blipFill>
+        <p:spPr>
+          <a:xfrm>
+            <a:off x="1" y="113756"/>
+            <a:ext cx="4464908" cy="892981"/>
+          </a:xfrm>
+          <a:prstGeom prst="rect">
+            <a:avLst/>
+          </a:prstGeom>
+        </p:spPr>
+      </p:pic>
+      <p:pic>
+        <p:nvPicPr>
+          <p:cNvPr id="3076" name="Picture 4">
+            <a:extLst>
+              <a:ext uri="{FF2B5EF4-FFF2-40B4-BE49-F238E27FC236}">
+                <a16:creationId xmlns:a16="http://schemas.microsoft.com/office/drawing/2014/main" id="{6D3CFE87-F298-3CEF-4463-CF84FE9117E1}"/>
+              </a:ext>
+            </a:extLst>
+          </p:cNvPr>
+          <p:cNvPicPr>
+            <a:picLocks noChangeAspect="1" noChangeArrowheads="1"/>
+          </p:cNvPicPr>
+          <p:nvPr/>
+        </p:nvPicPr>
+        <p:blipFill rotWithShape="1">
+          <a:blip r:embed="rId4">
+            <a:extLst>
+              <a:ext uri="{28A0092B-C50C-407E-A947-70E740481C1C}">
+                <a14:useLocalDpi xmlns:a14="http://schemas.microsoft.com/office/drawing/2010/main" val="0"/>
+              </a:ext>
+            </a:extLst>
+          </a:blip>
+          <a:srcRect r="13545"/>
+          <a:stretch/>
+        </p:blipFill>
+        <p:spPr bwMode="auto">
+          <a:xfrm>
+            <a:off x="0" y="7638503"/>
+            <a:ext cx="6513245" cy="2033396"/>
+          </a:xfrm>
+          <a:prstGeom prst="rect">
+            <a:avLst/>
+          </a:prstGeom>
+          <a:noFill/>
+          <a:extLst>
+            <a:ext uri="{909E8E84-426E-40DD-AFC4-6F175D3DCCD1}">
+              <a14:hiddenFill xmlns:a14="http://schemas.microsoft.com/office/drawing/2010/main">
+                <a:solidFill>
+                  <a:srgbClr val="FFFFFF"/>
+                </a:solidFill>
+              </a14:hiddenFill>
+            </a:ext>
+          </a:extLst>
+        </p:spPr>
+      </p:pic>
+    </p:spTree>
+    <p:extLst>
+      <p:ext uri="{BB962C8B-B14F-4D97-AF65-F5344CB8AC3E}">
+        <p14:creationId xmlns:p14="http://schemas.microsoft.com/office/powerpoint/2010/main" val="134499159"/>
+      </p:ext>
+    </p:extLst>
+  </p:cSld>
+  <p:clrMapOvr>
+    <a:masterClrMapping/>
+  </p:clrMapOvr>
+</p:sld>
+</file>
+
+<file path=ppt/slides/slide16.xml><?xml version="1.0" encoding="utf-8"?>
+<p:sld xmlns:a="http://schemas.openxmlformats.org/drawingml/2006/main" xmlns:r="http://schemas.openxmlformats.org/officeDocument/2006/relationships" xmlns:p="http://schemas.openxmlformats.org/presentationml/2006/main">
+  <p:cSld>
+    <p:spTree>
+      <p:nvGrpSpPr>
+        <p:cNvPr id="1" name=""/>
+        <p:cNvGrpSpPr/>
+        <p:nvPr/>
+      </p:nvGrpSpPr>
+      <p:grpSpPr>
+        <a:xfrm>
+          <a:off x="0" y="0"/>
+          <a:ext cx="0" cy="0"/>
+          <a:chOff x="0" y="0"/>
+          <a:chExt cx="0" cy="0"/>
+        </a:xfrm>
+      </p:grpSpPr>
+      <p:sp>
+        <p:nvSpPr>
+          <p:cNvPr id="2" name="제목 1">
+            <a:extLst>
+              <a:ext uri="{FF2B5EF4-FFF2-40B4-BE49-F238E27FC236}">
+                <a16:creationId xmlns:a16="http://schemas.microsoft.com/office/drawing/2014/main" id="{5967E33E-1BAB-4B3D-10CE-E6BCB83EE04C}"/>
+              </a:ext>
+            </a:extLst>
+          </p:cNvPr>
+          <p:cNvSpPr>
+            <a:spLocks noGrp="1"/>
+          </p:cNvSpPr>
+          <p:nvPr>
+            <p:ph type="title"/>
+          </p:nvPr>
+        </p:nvSpPr>
+        <p:spPr/>
+        <p:txBody>
+          <a:bodyPr/>
+          <a:lstStyle/>
+          <a:p>
+            <a:r>
+              <a:rPr lang="ko-KR" altLang="en-US" dirty="0"/>
+              <a:t>기타</a:t>
+            </a:r>
+          </a:p>
+        </p:txBody>
+      </p:sp>
+    </p:spTree>
+    <p:extLst>
+      <p:ext uri="{BB962C8B-B14F-4D97-AF65-F5344CB8AC3E}">
+        <p14:creationId xmlns:p14="http://schemas.microsoft.com/office/powerpoint/2010/main" val="2034094346"/>
+      </p:ext>
+    </p:extLst>
+  </p:cSld>
+  <p:clrMapOvr>
+    <a:masterClrMapping/>
+  </p:clrMapOvr>
+</p:sld>
+</file>
+
+<file path=ppt/slides/slide17.xml><?xml version="1.0" encoding="utf-8"?>
+<p:sld xmlns:a="http://schemas.openxmlformats.org/drawingml/2006/main" xmlns:r="http://schemas.openxmlformats.org/officeDocument/2006/relationships" xmlns:p="http://schemas.openxmlformats.org/presentationml/2006/main">
+  <p:cSld>
+    <p:spTree>
+      <p:nvGrpSpPr>
+        <p:cNvPr id="1" name=""/>
+        <p:cNvGrpSpPr/>
+        <p:nvPr/>
+      </p:nvGrpSpPr>
+      <p:grpSpPr>
+        <a:xfrm>
+          <a:off x="0" y="0"/>
+          <a:ext cx="0" cy="0"/>
+          <a:chOff x="0" y="0"/>
+          <a:chExt cx="0" cy="0"/>
+        </a:xfrm>
+      </p:grpSpPr>
+      <p:pic>
+        <p:nvPicPr>
+          <p:cNvPr id="7" name="그림 6">
+            <a:extLst>
+              <a:ext uri="{FF2B5EF4-FFF2-40B4-BE49-F238E27FC236}">
+                <a16:creationId xmlns:a16="http://schemas.microsoft.com/office/drawing/2014/main" id="{88062F18-1DEF-0739-25D0-C4D08F0F9A1A}"/>
+              </a:ext>
+            </a:extLst>
+          </p:cNvPr>
+          <p:cNvPicPr>
+            <a:picLocks noChangeAspect="1"/>
+          </p:cNvPicPr>
+          <p:nvPr/>
+        </p:nvPicPr>
+        <p:blipFill>
+          <a:blip r:embed="rId2"/>
+          <a:stretch>
+            <a:fillRect/>
+          </a:stretch>
+        </p:blipFill>
+        <p:spPr>
+          <a:xfrm>
+            <a:off x="0" y="1062578"/>
+            <a:ext cx="6858000" cy="7780844"/>
+          </a:xfrm>
+          <a:prstGeom prst="rect">
+            <a:avLst/>
+          </a:prstGeom>
+        </p:spPr>
+      </p:pic>
+    </p:spTree>
+    <p:extLst>
+      <p:ext uri="{BB962C8B-B14F-4D97-AF65-F5344CB8AC3E}">
+        <p14:creationId xmlns:p14="http://schemas.microsoft.com/office/powerpoint/2010/main" val="608099315"/>
+      </p:ext>
+    </p:extLst>
+  </p:cSld>
+  <p:clrMapOvr>
+    <a:masterClrMapping/>
+  </p:clrMapOvr>
+</p:sld>
+</file>
+
+<file path=ppt/slides/slide18.xml><?xml version="1.0" encoding="utf-8"?>
+<p:sld xmlns:a="http://schemas.openxmlformats.org/drawingml/2006/main" xmlns:r="http://schemas.openxmlformats.org/officeDocument/2006/relationships" xmlns:p="http://schemas.openxmlformats.org/presentationml/2006/main">
+  <p:cSld>
+    <p:spTree>
+      <p:nvGrpSpPr>
+        <p:cNvPr id="1" name=""/>
+        <p:cNvGrpSpPr/>
+        <p:nvPr/>
+      </p:nvGrpSpPr>
+      <p:grpSpPr>
+        <a:xfrm>
+          <a:off x="0" y="0"/>
+          <a:ext cx="0" cy="0"/>
+          <a:chOff x="0" y="0"/>
+          <a:chExt cx="0" cy="0"/>
+        </a:xfrm>
+      </p:grpSpPr>
+      <p:pic>
+        <p:nvPicPr>
+          <p:cNvPr id="5" name="그림 4">
+            <a:extLst>
+              <a:ext uri="{FF2B5EF4-FFF2-40B4-BE49-F238E27FC236}">
+                <a16:creationId xmlns:a16="http://schemas.microsoft.com/office/drawing/2014/main" id="{A25BB444-A157-CE1F-E65E-CA495BBE1D17}"/>
+              </a:ext>
+            </a:extLst>
+          </p:cNvPr>
+          <p:cNvPicPr>
+            <a:picLocks noChangeAspect="1"/>
+          </p:cNvPicPr>
+          <p:nvPr/>
+        </p:nvPicPr>
+        <p:blipFill>
+          <a:blip r:embed="rId2"/>
+          <a:stretch>
+            <a:fillRect/>
+          </a:stretch>
+        </p:blipFill>
+        <p:spPr>
+          <a:xfrm>
+            <a:off x="47153" y="1404442"/>
+            <a:ext cx="6763694" cy="7097115"/>
+          </a:xfrm>
+          <a:prstGeom prst="rect">
+            <a:avLst/>
+          </a:prstGeom>
+        </p:spPr>
+      </p:pic>
+    </p:spTree>
+    <p:extLst>
+      <p:ext uri="{BB962C8B-B14F-4D97-AF65-F5344CB8AC3E}">
+        <p14:creationId xmlns:p14="http://schemas.microsoft.com/office/powerpoint/2010/main" val="4028014239"/>
+      </p:ext>
+    </p:extLst>
+  </p:cSld>
+  <p:clrMapOvr>
+    <a:masterClrMapping/>
+  </p:clrMapOvr>
+</p:sld>
+</file>
+
+<file path=ppt/slides/slide19.xml><?xml version="1.0" encoding="utf-8"?>
+<p:sld xmlns:a="http://schemas.openxmlformats.org/drawingml/2006/main" xmlns:r="http://schemas.openxmlformats.org/officeDocument/2006/relationships" xmlns:p="http://schemas.openxmlformats.org/presentationml/2006/main">
+  <p:cSld>
+    <p:spTree>
+      <p:nvGrpSpPr>
+        <p:cNvPr id="1" name=""/>
+        <p:cNvGrpSpPr/>
+        <p:nvPr/>
+      </p:nvGrpSpPr>
+      <p:grpSpPr>
+        <a:xfrm>
+          <a:off x="0" y="0"/>
+          <a:ext cx="0" cy="0"/>
+          <a:chOff x="0" y="0"/>
+          <a:chExt cx="0" cy="0"/>
+        </a:xfrm>
+      </p:grpSpPr>
+      <p:pic>
+        <p:nvPicPr>
+          <p:cNvPr id="9" name="그림 8">
+            <a:extLst>
+              <a:ext uri="{FF2B5EF4-FFF2-40B4-BE49-F238E27FC236}">
+                <a16:creationId xmlns:a16="http://schemas.microsoft.com/office/drawing/2014/main" id="{7C0B1E98-499D-A150-4DB0-1C32A931CE5E}"/>
+              </a:ext>
+            </a:extLst>
+          </p:cNvPr>
+          <p:cNvPicPr>
+            <a:picLocks noChangeAspect="1"/>
+          </p:cNvPicPr>
+          <p:nvPr/>
+        </p:nvPicPr>
+        <p:blipFill>
+          <a:blip r:embed="rId2"/>
+          <a:stretch>
+            <a:fillRect/>
+          </a:stretch>
+        </p:blipFill>
+        <p:spPr>
+          <a:xfrm>
+            <a:off x="161469" y="1083729"/>
+            <a:ext cx="6535062" cy="6411220"/>
+          </a:xfrm>
+          <a:prstGeom prst="rect">
+            <a:avLst/>
+          </a:prstGeom>
+        </p:spPr>
+      </p:pic>
+    </p:spTree>
+    <p:extLst>
+      <p:ext uri="{BB962C8B-B14F-4D97-AF65-F5344CB8AC3E}">
+        <p14:creationId xmlns:p14="http://schemas.microsoft.com/office/powerpoint/2010/main" val="4047461688"/>
+      </p:ext>
+    </p:extLst>
+  </p:cSld>
+  <p:clrMapOvr>
+    <a:masterClrMapping/>
+  </p:clrMapOvr>
+</p:sld>
+</file>
+
+<file path=ppt/slides/slide2.xml><?xml version="1.0" encoding="utf-8"?>
+<p:sld xmlns:a="http://schemas.openxmlformats.org/drawingml/2006/main" xmlns:r="http://schemas.openxmlformats.org/officeDocument/2006/relationships" xmlns:p="http://schemas.openxmlformats.org/presentationml/2006/main">
+  <p:cSld>
+    <p:spTree>
+      <p:nvGrpSpPr>
+        <p:cNvPr id="1" name=""/>
+        <p:cNvGrpSpPr/>
+        <p:nvPr/>
+      </p:nvGrpSpPr>
+      <p:grpSpPr>
+        <a:xfrm>
+          <a:off x="0" y="0"/>
+          <a:ext cx="0" cy="0"/>
+          <a:chOff x="0" y="0"/>
+          <a:chExt cx="0" cy="0"/>
+        </a:xfrm>
+      </p:grpSpPr>
+      <p:pic>
+        <p:nvPicPr>
+          <p:cNvPr id="5" name="그림 4">
+            <a:extLst>
+              <a:ext uri="{FF2B5EF4-FFF2-40B4-BE49-F238E27FC236}">
+                <a16:creationId xmlns:a16="http://schemas.microsoft.com/office/drawing/2014/main" id="{A748BEAD-1801-763F-8253-15F33D41B0A7}"/>
+              </a:ext>
+            </a:extLst>
+          </p:cNvPr>
+          <p:cNvPicPr>
+            <a:picLocks noChangeAspect="1"/>
+          </p:cNvPicPr>
+          <p:nvPr/>
+        </p:nvPicPr>
+        <p:blipFill>
+          <a:blip r:embed="rId2"/>
+          <a:stretch>
+            <a:fillRect/>
+          </a:stretch>
+        </p:blipFill>
+        <p:spPr>
+          <a:xfrm>
+            <a:off x="0" y="167378"/>
+            <a:ext cx="6858000" cy="4286250"/>
+          </a:xfrm>
+          <a:prstGeom prst="rect">
+            <a:avLst/>
+          </a:prstGeom>
+        </p:spPr>
+      </p:pic>
+      <p:pic>
+        <p:nvPicPr>
+          <p:cNvPr id="7" name="그림 6">
+            <a:extLst>
+              <a:ext uri="{FF2B5EF4-FFF2-40B4-BE49-F238E27FC236}">
+                <a16:creationId xmlns:a16="http://schemas.microsoft.com/office/drawing/2014/main" id="{9893C87C-780F-41BA-5527-795EB262A476}"/>
+              </a:ext>
+            </a:extLst>
+          </p:cNvPr>
+          <p:cNvPicPr>
+            <a:picLocks noChangeAspect="1"/>
+          </p:cNvPicPr>
+          <p:nvPr/>
+        </p:nvPicPr>
+        <p:blipFill>
+          <a:blip r:embed="rId3"/>
+          <a:stretch>
+            <a:fillRect/>
+          </a:stretch>
+        </p:blipFill>
+        <p:spPr>
+          <a:xfrm>
+            <a:off x="0" y="4608299"/>
+            <a:ext cx="6858000" cy="5130323"/>
+          </a:xfrm>
+          <a:prstGeom prst="rect">
+            <a:avLst/>
+          </a:prstGeom>
+        </p:spPr>
+      </p:pic>
+    </p:spTree>
+    <p:extLst>
+      <p:ext uri="{BB962C8B-B14F-4D97-AF65-F5344CB8AC3E}">
+        <p14:creationId xmlns:p14="http://schemas.microsoft.com/office/powerpoint/2010/main" val="3959755882"/>
+      </p:ext>
+    </p:extLst>
+  </p:cSld>
+  <p:clrMapOvr>
+    <a:masterClrMapping/>
+  </p:clrMapOvr>
+</p:sld>
+</file>
+
+<file path=ppt/slides/slide3.xml><?xml version="1.0" encoding="utf-8"?>
+<p:sld xmlns:a="http://schemas.openxmlformats.org/drawingml/2006/main" xmlns:r="http://schemas.openxmlformats.org/officeDocument/2006/relationships" xmlns:p="http://schemas.openxmlformats.org/presentationml/2006/main">
+  <p:cSld>
+    <p:spTree>
+      <p:nvGrpSpPr>
+        <p:cNvPr id="1" name=""/>
+        <p:cNvGrpSpPr/>
+        <p:nvPr/>
+      </p:nvGrpSpPr>
+      <p:grpSpPr>
+        <a:xfrm>
+          <a:off x="0" y="0"/>
+          <a:ext cx="0" cy="0"/>
+          <a:chOff x="0" y="0"/>
+          <a:chExt cx="0" cy="0"/>
+        </a:xfrm>
+      </p:grpSpPr>
       <p:pic>
         <p:nvPicPr>
           <p:cNvPr id="5" name="그림 4">
@@ -2988,7 +4658,7 @@
         </p:blipFill>
         <p:spPr>
           <a:xfrm>
-            <a:off x="0" y="0"/>
+            <a:off x="0" y="1449860"/>
             <a:ext cx="5928974" cy="5227320"/>
           </a:xfrm>
           <a:prstGeom prst="rect">
@@ -3018,7 +4688,7 @@
         </p:blipFill>
         <p:spPr>
           <a:xfrm>
-            <a:off x="0" y="5227320"/>
+            <a:off x="0" y="6677180"/>
             <a:ext cx="5168900" cy="1350244"/>
           </a:xfrm>
           <a:prstGeom prst="rect">
@@ -3030,6 +4700,470 @@
     <p:extLst>
       <p:ext uri="{BB962C8B-B14F-4D97-AF65-F5344CB8AC3E}">
         <p14:creationId xmlns:p14="http://schemas.microsoft.com/office/powerpoint/2010/main" val="371789652"/>
+      </p:ext>
+    </p:extLst>
+  </p:cSld>
+  <p:clrMapOvr>
+    <a:masterClrMapping/>
+  </p:clrMapOvr>
+</p:sld>
+</file>
+
+<file path=ppt/slides/slide4.xml><?xml version="1.0" encoding="utf-8"?>
+<p:sld xmlns:a="http://schemas.openxmlformats.org/drawingml/2006/main" xmlns:r="http://schemas.openxmlformats.org/officeDocument/2006/relationships" xmlns:p="http://schemas.openxmlformats.org/presentationml/2006/main">
+  <p:cSld>
+    <p:spTree>
+      <p:nvGrpSpPr>
+        <p:cNvPr id="1" name=""/>
+        <p:cNvGrpSpPr/>
+        <p:nvPr/>
+      </p:nvGrpSpPr>
+      <p:grpSpPr>
+        <a:xfrm>
+          <a:off x="0" y="0"/>
+          <a:ext cx="0" cy="0"/>
+          <a:chOff x="0" y="0"/>
+          <a:chExt cx="0" cy="0"/>
+        </a:xfrm>
+      </p:grpSpPr>
+      <p:pic>
+        <p:nvPicPr>
+          <p:cNvPr id="5" name="그림 4">
+            <a:extLst>
+              <a:ext uri="{FF2B5EF4-FFF2-40B4-BE49-F238E27FC236}">
+                <a16:creationId xmlns:a16="http://schemas.microsoft.com/office/drawing/2014/main" id="{F7D54259-BB30-6B88-5A02-F67726A01511}"/>
+              </a:ext>
+            </a:extLst>
+          </p:cNvPr>
+          <p:cNvPicPr>
+            <a:picLocks noChangeAspect="1"/>
+          </p:cNvPicPr>
+          <p:nvPr/>
+        </p:nvPicPr>
+        <p:blipFill rotWithShape="1">
+          <a:blip r:embed="rId2"/>
+          <a:srcRect r="80833" b="93447"/>
+          <a:stretch/>
+        </p:blipFill>
+        <p:spPr>
+          <a:xfrm>
+            <a:off x="-1" y="209374"/>
+            <a:ext cx="4523691" cy="1146986"/>
+          </a:xfrm>
+          <a:prstGeom prst="rect">
+            <a:avLst/>
+          </a:prstGeom>
+        </p:spPr>
+      </p:pic>
+      <p:pic>
+        <p:nvPicPr>
+          <p:cNvPr id="6" name="그림 5">
+            <a:extLst>
+              <a:ext uri="{FF2B5EF4-FFF2-40B4-BE49-F238E27FC236}">
+                <a16:creationId xmlns:a16="http://schemas.microsoft.com/office/drawing/2014/main" id="{9F548817-B9CC-7EB2-FCE0-25671328B3C0}"/>
+              </a:ext>
+            </a:extLst>
+          </p:cNvPr>
+          <p:cNvPicPr>
+            <a:picLocks noChangeAspect="1"/>
+          </p:cNvPicPr>
+          <p:nvPr/>
+        </p:nvPicPr>
+        <p:blipFill rotWithShape="1">
+          <a:blip r:embed="rId2"/>
+          <a:srcRect l="49167" t="17508"/>
+          <a:stretch/>
+        </p:blipFill>
+        <p:spPr>
+          <a:xfrm>
+            <a:off x="0" y="1356360"/>
+            <a:ext cx="6386278" cy="7686040"/>
+          </a:xfrm>
+          <a:prstGeom prst="rect">
+            <a:avLst/>
+          </a:prstGeom>
+        </p:spPr>
+      </p:pic>
+    </p:spTree>
+    <p:extLst>
+      <p:ext uri="{BB962C8B-B14F-4D97-AF65-F5344CB8AC3E}">
+        <p14:creationId xmlns:p14="http://schemas.microsoft.com/office/powerpoint/2010/main" val="2808207272"/>
+      </p:ext>
+    </p:extLst>
+  </p:cSld>
+  <p:clrMapOvr>
+    <a:masterClrMapping/>
+  </p:clrMapOvr>
+</p:sld>
+</file>
+
+<file path=ppt/slides/slide5.xml><?xml version="1.0" encoding="utf-8"?>
+<p:sld xmlns:a="http://schemas.openxmlformats.org/drawingml/2006/main" xmlns:r="http://schemas.openxmlformats.org/officeDocument/2006/relationships" xmlns:p="http://schemas.openxmlformats.org/presentationml/2006/main">
+  <p:cSld>
+    <p:spTree>
+      <p:nvGrpSpPr>
+        <p:cNvPr id="1" name=""/>
+        <p:cNvGrpSpPr/>
+        <p:nvPr/>
+      </p:nvGrpSpPr>
+      <p:grpSpPr>
+        <a:xfrm>
+          <a:off x="0" y="0"/>
+          <a:ext cx="0" cy="0"/>
+          <a:chOff x="0" y="0"/>
+          <a:chExt cx="0" cy="0"/>
+        </a:xfrm>
+      </p:grpSpPr>
+      <p:pic>
+        <p:nvPicPr>
+          <p:cNvPr id="5" name="그림 4">
+            <a:extLst>
+              <a:ext uri="{FF2B5EF4-FFF2-40B4-BE49-F238E27FC236}">
+                <a16:creationId xmlns:a16="http://schemas.microsoft.com/office/drawing/2014/main" id="{F163AFD5-028E-9138-31A7-1E2D8DD89B5F}"/>
+              </a:ext>
+            </a:extLst>
+          </p:cNvPr>
+          <p:cNvPicPr>
+            <a:picLocks noChangeAspect="1"/>
+          </p:cNvPicPr>
+          <p:nvPr/>
+        </p:nvPicPr>
+        <p:blipFill>
+          <a:blip r:embed="rId2"/>
+          <a:stretch>
+            <a:fillRect/>
+          </a:stretch>
+        </p:blipFill>
+        <p:spPr>
+          <a:xfrm>
+            <a:off x="0" y="2257878"/>
+            <a:ext cx="6858000" cy="3282043"/>
+          </a:xfrm>
+          <a:prstGeom prst="rect">
+            <a:avLst/>
+          </a:prstGeom>
+        </p:spPr>
+      </p:pic>
+    </p:spTree>
+    <p:extLst>
+      <p:ext uri="{BB962C8B-B14F-4D97-AF65-F5344CB8AC3E}">
+        <p14:creationId xmlns:p14="http://schemas.microsoft.com/office/powerpoint/2010/main" val="2498285692"/>
+      </p:ext>
+    </p:extLst>
+  </p:cSld>
+  <p:clrMapOvr>
+    <a:masterClrMapping/>
+  </p:clrMapOvr>
+</p:sld>
+</file>
+
+<file path=ppt/slides/slide6.xml><?xml version="1.0" encoding="utf-8"?>
+<p:sld xmlns:a="http://schemas.openxmlformats.org/drawingml/2006/main" xmlns:r="http://schemas.openxmlformats.org/officeDocument/2006/relationships" xmlns:p="http://schemas.openxmlformats.org/presentationml/2006/main">
+  <p:cSld>
+    <p:spTree>
+      <p:nvGrpSpPr>
+        <p:cNvPr id="1" name=""/>
+        <p:cNvGrpSpPr/>
+        <p:nvPr/>
+      </p:nvGrpSpPr>
+      <p:grpSpPr>
+        <a:xfrm>
+          <a:off x="0" y="0"/>
+          <a:ext cx="0" cy="0"/>
+          <a:chOff x="0" y="0"/>
+          <a:chExt cx="0" cy="0"/>
+        </a:xfrm>
+      </p:grpSpPr>
+      <p:pic>
+        <p:nvPicPr>
+          <p:cNvPr id="1026" name="Picture 2">
+            <a:extLst>
+              <a:ext uri="{FF2B5EF4-FFF2-40B4-BE49-F238E27FC236}">
+                <a16:creationId xmlns:a16="http://schemas.microsoft.com/office/drawing/2014/main" id="{81B4F88F-5710-F44D-44B5-743258E20448}"/>
+              </a:ext>
+            </a:extLst>
+          </p:cNvPr>
+          <p:cNvPicPr>
+            <a:picLocks noChangeAspect="1" noChangeArrowheads="1"/>
+          </p:cNvPicPr>
+          <p:nvPr/>
+        </p:nvPicPr>
+        <p:blipFill rotWithShape="1">
+          <a:blip r:embed="rId2">
+            <a:extLst>
+              <a:ext uri="{28A0092B-C50C-407E-A947-70E740481C1C}">
+                <a14:useLocalDpi xmlns:a14="http://schemas.microsoft.com/office/drawing/2010/main" val="0"/>
+              </a:ext>
+            </a:extLst>
+          </a:blip>
+          <a:srcRect r="15238"/>
+          <a:stretch/>
+        </p:blipFill>
+        <p:spPr bwMode="auto">
+          <a:xfrm>
+            <a:off x="-1" y="1342570"/>
+            <a:ext cx="6852807" cy="6887029"/>
+          </a:xfrm>
+          <a:prstGeom prst="rect">
+            <a:avLst/>
+          </a:prstGeom>
+          <a:noFill/>
+          <a:extLst>
+            <a:ext uri="{909E8E84-426E-40DD-AFC4-6F175D3DCCD1}">
+              <a14:hiddenFill xmlns:a14="http://schemas.microsoft.com/office/drawing/2010/main">
+                <a:solidFill>
+                  <a:srgbClr val="FFFFFF"/>
+                </a:solidFill>
+              </a14:hiddenFill>
+            </a:ext>
+          </a:extLst>
+        </p:spPr>
+      </p:pic>
+      <p:pic>
+        <p:nvPicPr>
+          <p:cNvPr id="5" name="그림 4">
+            <a:extLst>
+              <a:ext uri="{FF2B5EF4-FFF2-40B4-BE49-F238E27FC236}">
+                <a16:creationId xmlns:a16="http://schemas.microsoft.com/office/drawing/2014/main" id="{E018DF68-DCFC-C4D4-4291-E1D1C4D0C777}"/>
+              </a:ext>
+            </a:extLst>
+          </p:cNvPr>
+          <p:cNvPicPr>
+            <a:picLocks noChangeAspect="1"/>
+          </p:cNvPicPr>
+          <p:nvPr/>
+        </p:nvPicPr>
+        <p:blipFill>
+          <a:blip r:embed="rId3"/>
+          <a:stretch>
+            <a:fillRect/>
+          </a:stretch>
+        </p:blipFill>
+        <p:spPr>
+          <a:xfrm>
+            <a:off x="-1" y="-1"/>
+            <a:ext cx="4628899" cy="972457"/>
+          </a:xfrm>
+          <a:prstGeom prst="rect">
+            <a:avLst/>
+          </a:prstGeom>
+        </p:spPr>
+      </p:pic>
+    </p:spTree>
+    <p:extLst>
+      <p:ext uri="{BB962C8B-B14F-4D97-AF65-F5344CB8AC3E}">
+        <p14:creationId xmlns:p14="http://schemas.microsoft.com/office/powerpoint/2010/main" val="3889145494"/>
+      </p:ext>
+    </p:extLst>
+  </p:cSld>
+  <p:clrMapOvr>
+    <a:masterClrMapping/>
+  </p:clrMapOvr>
+</p:sld>
+</file>
+
+<file path=ppt/slides/slide7.xml><?xml version="1.0" encoding="utf-8"?>
+<p:sld xmlns:a="http://schemas.openxmlformats.org/drawingml/2006/main" xmlns:r="http://schemas.openxmlformats.org/officeDocument/2006/relationships" xmlns:p="http://schemas.openxmlformats.org/presentationml/2006/main">
+  <p:cSld>
+    <p:spTree>
+      <p:nvGrpSpPr>
+        <p:cNvPr id="1" name=""/>
+        <p:cNvGrpSpPr/>
+        <p:nvPr/>
+      </p:nvGrpSpPr>
+      <p:grpSpPr>
+        <a:xfrm>
+          <a:off x="0" y="0"/>
+          <a:ext cx="0" cy="0"/>
+          <a:chOff x="0" y="0"/>
+          <a:chExt cx="0" cy="0"/>
+        </a:xfrm>
+      </p:grpSpPr>
+      <p:sp>
+        <p:nvSpPr>
+          <p:cNvPr id="2" name="제목 1">
+            <a:extLst>
+              <a:ext uri="{FF2B5EF4-FFF2-40B4-BE49-F238E27FC236}">
+                <a16:creationId xmlns:a16="http://schemas.microsoft.com/office/drawing/2014/main" id="{57C59898-3719-2391-A12A-0069BFF5BAAC}"/>
+              </a:ext>
+            </a:extLst>
+          </p:cNvPr>
+          <p:cNvSpPr>
+            <a:spLocks noGrp="1"/>
+          </p:cNvSpPr>
+          <p:nvPr>
+            <p:ph type="title"/>
+          </p:nvPr>
+        </p:nvSpPr>
+        <p:spPr/>
+        <p:txBody>
+          <a:bodyPr/>
+          <a:lstStyle/>
+          <a:p>
+            <a:r>
+              <a:rPr lang="ko-KR" altLang="en-US" dirty="0"/>
+              <a:t>트리의 부모 찾기</a:t>
+            </a:r>
+          </a:p>
+        </p:txBody>
+      </p:sp>
+    </p:spTree>
+    <p:extLst>
+      <p:ext uri="{BB962C8B-B14F-4D97-AF65-F5344CB8AC3E}">
+        <p14:creationId xmlns:p14="http://schemas.microsoft.com/office/powerpoint/2010/main" val="2668604905"/>
+      </p:ext>
+    </p:extLst>
+  </p:cSld>
+  <p:clrMapOvr>
+    <a:masterClrMapping/>
+  </p:clrMapOvr>
+</p:sld>
+</file>
+
+<file path=ppt/slides/slide8.xml><?xml version="1.0" encoding="utf-8"?>
+<p:sld xmlns:a="http://schemas.openxmlformats.org/drawingml/2006/main" xmlns:r="http://schemas.openxmlformats.org/officeDocument/2006/relationships" xmlns:p="http://schemas.openxmlformats.org/presentationml/2006/main">
+  <p:cSld>
+    <p:spTree>
+      <p:nvGrpSpPr>
+        <p:cNvPr id="1" name=""/>
+        <p:cNvGrpSpPr/>
+        <p:nvPr/>
+      </p:nvGrpSpPr>
+      <p:grpSpPr>
+        <a:xfrm>
+          <a:off x="0" y="0"/>
+          <a:ext cx="0" cy="0"/>
+          <a:chOff x="0" y="0"/>
+          <a:chExt cx="0" cy="0"/>
+        </a:xfrm>
+      </p:grpSpPr>
+      <p:sp>
+        <p:nvSpPr>
+          <p:cNvPr id="2" name="제목 1">
+            <a:extLst>
+              <a:ext uri="{FF2B5EF4-FFF2-40B4-BE49-F238E27FC236}">
+                <a16:creationId xmlns:a16="http://schemas.microsoft.com/office/drawing/2014/main" id="{57C59898-3719-2391-A12A-0069BFF5BAAC}"/>
+              </a:ext>
+            </a:extLst>
+          </p:cNvPr>
+          <p:cNvSpPr>
+            <a:spLocks noGrp="1"/>
+          </p:cNvSpPr>
+          <p:nvPr>
+            <p:ph type="title"/>
+          </p:nvPr>
+        </p:nvSpPr>
+        <p:spPr>
+          <a:xfrm>
+            <a:off x="0" y="0"/>
+            <a:ext cx="5915025" cy="1914702"/>
+          </a:xfrm>
+        </p:spPr>
+        <p:txBody>
+          <a:bodyPr/>
+          <a:lstStyle/>
+          <a:p>
+            <a:r>
+              <a:rPr lang="ko-KR" altLang="en-US" dirty="0"/>
+              <a:t>트리의 부모 찾기</a:t>
+            </a:r>
+          </a:p>
+        </p:txBody>
+      </p:sp>
+      <p:pic>
+        <p:nvPicPr>
+          <p:cNvPr id="4" name="그림 3">
+            <a:extLst>
+              <a:ext uri="{FF2B5EF4-FFF2-40B4-BE49-F238E27FC236}">
+                <a16:creationId xmlns:a16="http://schemas.microsoft.com/office/drawing/2014/main" id="{B348658B-8F89-D142-73CE-3971F8F2F408}"/>
+              </a:ext>
+            </a:extLst>
+          </p:cNvPr>
+          <p:cNvPicPr>
+            <a:picLocks noChangeAspect="1"/>
+          </p:cNvPicPr>
+          <p:nvPr/>
+        </p:nvPicPr>
+        <p:blipFill>
+          <a:blip r:embed="rId2"/>
+          <a:stretch>
+            <a:fillRect/>
+          </a:stretch>
+        </p:blipFill>
+        <p:spPr>
+          <a:xfrm>
+            <a:off x="0" y="1722656"/>
+            <a:ext cx="6858000" cy="4765238"/>
+          </a:xfrm>
+          <a:prstGeom prst="rect">
+            <a:avLst/>
+          </a:prstGeom>
+        </p:spPr>
+      </p:pic>
+      <p:pic>
+        <p:nvPicPr>
+          <p:cNvPr id="6" name="그림 5">
+            <a:extLst>
+              <a:ext uri="{FF2B5EF4-FFF2-40B4-BE49-F238E27FC236}">
+                <a16:creationId xmlns:a16="http://schemas.microsoft.com/office/drawing/2014/main" id="{E9DDDFF7-79F6-1D4D-1AAD-E75774366EA3}"/>
+              </a:ext>
+            </a:extLst>
+          </p:cNvPr>
+          <p:cNvPicPr>
+            <a:picLocks noChangeAspect="1"/>
+          </p:cNvPicPr>
+          <p:nvPr/>
+        </p:nvPicPr>
+        <p:blipFill>
+          <a:blip r:embed="rId3"/>
+          <a:stretch>
+            <a:fillRect/>
+          </a:stretch>
+        </p:blipFill>
+        <p:spPr>
+          <a:xfrm>
+            <a:off x="0" y="6767944"/>
+            <a:ext cx="6858000" cy="2351812"/>
+          </a:xfrm>
+          <a:prstGeom prst="rect">
+            <a:avLst/>
+          </a:prstGeom>
+        </p:spPr>
+      </p:pic>
+    </p:spTree>
+    <p:extLst>
+      <p:ext uri="{BB962C8B-B14F-4D97-AF65-F5344CB8AC3E}">
+        <p14:creationId xmlns:p14="http://schemas.microsoft.com/office/powerpoint/2010/main" val="1929659527"/>
+      </p:ext>
+    </p:extLst>
+  </p:cSld>
+  <p:clrMapOvr>
+    <a:masterClrMapping/>
+  </p:clrMapOvr>
+</p:sld>
+</file>
+
+<file path=ppt/slides/slide9.xml><?xml version="1.0" encoding="utf-8"?>
+<p:sld xmlns:a="http://schemas.openxmlformats.org/drawingml/2006/main" xmlns:r="http://schemas.openxmlformats.org/officeDocument/2006/relationships" xmlns:p="http://schemas.openxmlformats.org/presentationml/2006/main">
+  <p:cSld>
+    <p:spTree>
+      <p:nvGrpSpPr>
+        <p:cNvPr id="1" name=""/>
+        <p:cNvGrpSpPr/>
+        <p:nvPr/>
+      </p:nvGrpSpPr>
+      <p:grpSpPr>
+        <a:xfrm>
+          <a:off x="0" y="0"/>
+          <a:ext cx="0" cy="0"/>
+          <a:chOff x="0" y="0"/>
+          <a:chExt cx="0" cy="0"/>
+        </a:xfrm>
+      </p:grpSpPr>
+    </p:spTree>
+    <p:extLst>
+      <p:ext uri="{BB962C8B-B14F-4D97-AF65-F5344CB8AC3E}">
+        <p14:creationId xmlns:p14="http://schemas.microsoft.com/office/powerpoint/2010/main" val="1126828988"/>
       </p:ext>
     </p:extLst>
   </p:cSld>

--- a/DFS, BFS/백준_스터디/29(일)/10_29_스터디.pptx
+++ b/DFS, BFS/백준_스터디/29(일)/10_29_스터디.pptx
@@ -11,19 +11,21 @@
     <p:sldId id="258" r:id="rId5"/>
     <p:sldId id="259" r:id="rId6"/>
     <p:sldId id="260" r:id="rId7"/>
-    <p:sldId id="273" r:id="rId8"/>
-    <p:sldId id="269" r:id="rId9"/>
-    <p:sldId id="275" r:id="rId10"/>
-    <p:sldId id="270" r:id="rId11"/>
+    <p:sldId id="277" r:id="rId8"/>
+    <p:sldId id="273" r:id="rId9"/>
+    <p:sldId id="269" r:id="rId10"/>
+    <p:sldId id="275" r:id="rId11"/>
     <p:sldId id="271" r:id="rId12"/>
-    <p:sldId id="268" r:id="rId13"/>
-    <p:sldId id="261" r:id="rId14"/>
-    <p:sldId id="262" r:id="rId15"/>
-    <p:sldId id="274" r:id="rId16"/>
-    <p:sldId id="266" r:id="rId17"/>
-    <p:sldId id="264" r:id="rId18"/>
-    <p:sldId id="272" r:id="rId19"/>
-    <p:sldId id="265" r:id="rId20"/>
+    <p:sldId id="270" r:id="rId13"/>
+    <p:sldId id="268" r:id="rId14"/>
+    <p:sldId id="261" r:id="rId15"/>
+    <p:sldId id="262" r:id="rId16"/>
+    <p:sldId id="274" r:id="rId17"/>
+    <p:sldId id="276" r:id="rId18"/>
+    <p:sldId id="266" r:id="rId19"/>
+    <p:sldId id="264" r:id="rId20"/>
+    <p:sldId id="272" r:id="rId21"/>
+    <p:sldId id="265" r:id="rId22"/>
   </p:sldIdLst>
   <p:sldSz cx="6858000" cy="9906000" type="A4"/>
   <p:notesSz cx="6858000" cy="9144000"/>
@@ -133,15 +135,16 @@
             <p14:sldId id="258"/>
             <p14:sldId id="259"/>
             <p14:sldId id="260"/>
-            <p14:sldId id="273"/>
+            <p14:sldId id="277"/>
           </p14:sldIdLst>
         </p14:section>
         <p14:section name="트리의 부모 찾기" id="{4B9730B8-9D2E-4D64-B00F-F58878B845B8}">
           <p14:sldIdLst>
+            <p14:sldId id="273"/>
             <p14:sldId id="269"/>
             <p14:sldId id="275"/>
+            <p14:sldId id="271"/>
             <p14:sldId id="270"/>
-            <p14:sldId id="271"/>
           </p14:sldIdLst>
         </p14:section>
         <p14:section name="안전영역" id="{BAC43867-8856-4C66-9726-587223B51B31}">
@@ -150,6 +153,11 @@
             <p14:sldId id="261"/>
             <p14:sldId id="262"/>
             <p14:sldId id="274"/>
+            <p14:sldId id="276"/>
+          </p14:sldIdLst>
+        </p14:section>
+        <p14:section name="기타" id="{13608442-D6F3-4EE7-9822-F5A02973A3D0}">
+          <p14:sldIdLst>
             <p14:sldId id="266"/>
             <p14:sldId id="264"/>
             <p14:sldId id="272"/>
@@ -168,13 +176,182 @@
 <file path=ppt/revisionInfo.xml><?xml version="1.0" encoding="utf-8"?>
 <p1510:revInfo xmlns:a="http://schemas.openxmlformats.org/drawingml/2006/main" xmlns:r="http://schemas.openxmlformats.org/officeDocument/2006/relationships" xmlns:p1510="http://schemas.microsoft.com/office/powerpoint/2015/10/main">
   <p1510:revLst>
-    <p1510:client id="{4EBEE71B-A046-46A1-8FFD-861068AB1109}" v="32" dt="2023-10-29T09:18:58.213"/>
+    <p1510:client id="{4EBEE71B-A046-46A1-8FFD-861068AB1109}" v="37" dt="2023-10-29T10:40:42.297"/>
   </p1510:revLst>
 </p1510:revInfo>
 </file>
 
 <file path=ppt/changesInfos/changesInfo1.xml><?xml version="1.0" encoding="utf-8"?>
 <pc:chgInfo xmlns:a="http://schemas.openxmlformats.org/drawingml/2006/main" xmlns:r="http://schemas.openxmlformats.org/officeDocument/2006/relationships" xmlns:ac="http://schemas.microsoft.com/office/drawing/2013/main/command" xmlns:pc="http://schemas.microsoft.com/office/powerpoint/2013/main/command">
+  <pc:docChgLst>
+    <pc:chgData name="JuYoung Song" userId="2ab62cc5c92b8695" providerId="LiveId" clId="{4EBEE71B-A046-46A1-8FFD-861068AB1109}"/>
+    <pc:docChg chg="undo custSel addSld delSld modSld sldOrd addSection modSection">
+      <pc:chgData name="JuYoung Song" userId="2ab62cc5c92b8695" providerId="LiveId" clId="{4EBEE71B-A046-46A1-8FFD-861068AB1109}" dt="2023-10-29T10:41:17.239" v="154" actId="14100"/>
+      <pc:docMkLst>
+        <pc:docMk/>
+      </pc:docMkLst>
+      <pc:sldChg chg="addSp modSp mod">
+        <pc:chgData name="JuYoung Song" userId="2ab62cc5c92b8695" providerId="LiveId" clId="{4EBEE71B-A046-46A1-8FFD-861068AB1109}" dt="2023-10-29T10:39:56.423" v="133" actId="1076"/>
+        <pc:sldMkLst>
+          <pc:docMk/>
+          <pc:sldMk cId="371789652" sldId="256"/>
+        </pc:sldMkLst>
+        <pc:spChg chg="add mod">
+          <ac:chgData name="JuYoung Song" userId="2ab62cc5c92b8695" providerId="LiveId" clId="{4EBEE71B-A046-46A1-8FFD-861068AB1109}" dt="2023-10-29T10:39:56.423" v="133" actId="1076"/>
+          <ac:spMkLst>
+            <pc:docMk/>
+            <pc:sldMk cId="371789652" sldId="256"/>
+            <ac:spMk id="2" creationId="{50790EB0-D306-BEBB-01CA-41AF8FFA3BFB}"/>
+          </ac:spMkLst>
+        </pc:spChg>
+      </pc:sldChg>
+      <pc:sldChg chg="addSp modSp mod">
+        <pc:chgData name="JuYoung Song" userId="2ab62cc5c92b8695" providerId="LiveId" clId="{4EBEE71B-A046-46A1-8FFD-861068AB1109}" dt="2023-10-29T10:41:17.239" v="154" actId="14100"/>
+        <pc:sldMkLst>
+          <pc:docMk/>
+          <pc:sldMk cId="2498285692" sldId="259"/>
+        </pc:sldMkLst>
+        <pc:picChg chg="add mod modCrop">
+          <ac:chgData name="JuYoung Song" userId="2ab62cc5c92b8695" providerId="LiveId" clId="{4EBEE71B-A046-46A1-8FFD-861068AB1109}" dt="2023-10-29T10:41:17.239" v="154" actId="14100"/>
+          <ac:picMkLst>
+            <pc:docMk/>
+            <pc:sldMk cId="2498285692" sldId="259"/>
+            <ac:picMk id="2" creationId="{3261663D-737A-D1B5-B824-6EB8C0AA7373}"/>
+          </ac:picMkLst>
+        </pc:picChg>
+      </pc:sldChg>
+      <pc:sldChg chg="add">
+        <pc:chgData name="JuYoung Song" userId="2ab62cc5c92b8695" providerId="LiveId" clId="{4EBEE71B-A046-46A1-8FFD-861068AB1109}" dt="2023-10-29T10:35:18.966" v="18"/>
+        <pc:sldMkLst>
+          <pc:docMk/>
+          <pc:sldMk cId="1881056838" sldId="271"/>
+        </pc:sldMkLst>
+      </pc:sldChg>
+      <pc:sldChg chg="del">
+        <pc:chgData name="JuYoung Song" userId="2ab62cc5c92b8695" providerId="LiveId" clId="{4EBEE71B-A046-46A1-8FFD-861068AB1109}" dt="2023-10-29T10:35:15.158" v="17" actId="2696"/>
+        <pc:sldMkLst>
+          <pc:docMk/>
+          <pc:sldMk cId="2609953614" sldId="271"/>
+        </pc:sldMkLst>
+      </pc:sldChg>
+      <pc:sldChg chg="ord">
+        <pc:chgData name="JuYoung Song" userId="2ab62cc5c92b8695" providerId="LiveId" clId="{4EBEE71B-A046-46A1-8FFD-861068AB1109}" dt="2023-10-29T10:35:59.331" v="25"/>
+        <pc:sldMkLst>
+          <pc:docMk/>
+          <pc:sldMk cId="2668604905" sldId="273"/>
+        </pc:sldMkLst>
+      </pc:sldChg>
+      <pc:sldChg chg="addSp delSp modSp mod">
+        <pc:chgData name="JuYoung Song" userId="2ab62cc5c92b8695" providerId="LiveId" clId="{4EBEE71B-A046-46A1-8FFD-861068AB1109}" dt="2023-10-29T10:31:09.519" v="7" actId="1076"/>
+        <pc:sldMkLst>
+          <pc:docMk/>
+          <pc:sldMk cId="1126828988" sldId="275"/>
+        </pc:sldMkLst>
+        <pc:picChg chg="add mod">
+          <ac:chgData name="JuYoung Song" userId="2ab62cc5c92b8695" providerId="LiveId" clId="{4EBEE71B-A046-46A1-8FFD-861068AB1109}" dt="2023-10-29T10:31:09.519" v="7" actId="1076"/>
+          <ac:picMkLst>
+            <pc:docMk/>
+            <pc:sldMk cId="1126828988" sldId="275"/>
+            <ac:picMk id="3" creationId="{6EEAC4B1-9C6D-4A63-F5E5-CB4452C5BF94}"/>
+          </ac:picMkLst>
+        </pc:picChg>
+        <pc:picChg chg="add del">
+          <ac:chgData name="JuYoung Song" userId="2ab62cc5c92b8695" providerId="LiveId" clId="{4EBEE71B-A046-46A1-8FFD-861068AB1109}" dt="2023-10-29T10:30:46.570" v="3" actId="22"/>
+          <ac:picMkLst>
+            <pc:docMk/>
+            <pc:sldMk cId="1126828988" sldId="275"/>
+            <ac:picMk id="5" creationId="{B7CDD5BD-CDC6-357B-143F-3B5E95123816}"/>
+          </ac:picMkLst>
+        </pc:picChg>
+        <pc:picChg chg="add mod">
+          <ac:chgData name="JuYoung Song" userId="2ab62cc5c92b8695" providerId="LiveId" clId="{4EBEE71B-A046-46A1-8FFD-861068AB1109}" dt="2023-10-29T10:31:04.763" v="5" actId="1076"/>
+          <ac:picMkLst>
+            <pc:docMk/>
+            <pc:sldMk cId="1126828988" sldId="275"/>
+            <ac:picMk id="7" creationId="{7343DDD7-DAE8-281D-B8BD-DB45DDFFC68E}"/>
+          </ac:picMkLst>
+        </pc:picChg>
+      </pc:sldChg>
+      <pc:sldChg chg="addSp delSp modSp new mod">
+        <pc:chgData name="JuYoung Song" userId="2ab62cc5c92b8695" providerId="LiveId" clId="{4EBEE71B-A046-46A1-8FFD-861068AB1109}" dt="2023-10-29T10:34:35.880" v="16" actId="14100"/>
+        <pc:sldMkLst>
+          <pc:docMk/>
+          <pc:sldMk cId="323930429" sldId="276"/>
+        </pc:sldMkLst>
+        <pc:spChg chg="del">
+          <ac:chgData name="JuYoung Song" userId="2ab62cc5c92b8695" providerId="LiveId" clId="{4EBEE71B-A046-46A1-8FFD-861068AB1109}" dt="2023-10-29T10:34:18.036" v="9" actId="478"/>
+          <ac:spMkLst>
+            <pc:docMk/>
+            <pc:sldMk cId="323930429" sldId="276"/>
+            <ac:spMk id="2" creationId="{023D094F-697C-83C6-2AF8-3E13AC72EA10}"/>
+          </ac:spMkLst>
+        </pc:spChg>
+        <pc:spChg chg="del">
+          <ac:chgData name="JuYoung Song" userId="2ab62cc5c92b8695" providerId="LiveId" clId="{4EBEE71B-A046-46A1-8FFD-861068AB1109}" dt="2023-10-29T10:34:18.036" v="9" actId="478"/>
+          <ac:spMkLst>
+            <pc:docMk/>
+            <pc:sldMk cId="323930429" sldId="276"/>
+            <ac:spMk id="3" creationId="{3547152A-F77D-9B40-FC19-D4974A2A00C4}"/>
+          </ac:spMkLst>
+        </pc:spChg>
+        <pc:picChg chg="add mod modCrop">
+          <ac:chgData name="JuYoung Song" userId="2ab62cc5c92b8695" providerId="LiveId" clId="{4EBEE71B-A046-46A1-8FFD-861068AB1109}" dt="2023-10-29T10:34:32.100" v="14" actId="1076"/>
+          <ac:picMkLst>
+            <pc:docMk/>
+            <pc:sldMk cId="323930429" sldId="276"/>
+            <ac:picMk id="5" creationId="{B6FC2BFF-7BED-4D23-1790-D8A1EB9122CA}"/>
+          </ac:picMkLst>
+        </pc:picChg>
+        <pc:picChg chg="add mod modCrop">
+          <ac:chgData name="JuYoung Song" userId="2ab62cc5c92b8695" providerId="LiveId" clId="{4EBEE71B-A046-46A1-8FFD-861068AB1109}" dt="2023-10-29T10:34:35.880" v="16" actId="14100"/>
+          <ac:picMkLst>
+            <pc:docMk/>
+            <pc:sldMk cId="323930429" sldId="276"/>
+            <ac:picMk id="6" creationId="{F81F1377-3F20-8555-524E-970CDF62AB8D}"/>
+          </ac:picMkLst>
+        </pc:picChg>
+      </pc:sldChg>
+      <pc:sldChg chg="addSp delSp modSp new mod">
+        <pc:chgData name="JuYoung Song" userId="2ab62cc5c92b8695" providerId="LiveId" clId="{4EBEE71B-A046-46A1-8FFD-861068AB1109}" dt="2023-10-29T10:41:00.748" v="148" actId="1076"/>
+        <pc:sldMkLst>
+          <pc:docMk/>
+          <pc:sldMk cId="2690596150" sldId="277"/>
+        </pc:sldMkLst>
+        <pc:spChg chg="del">
+          <ac:chgData name="JuYoung Song" userId="2ab62cc5c92b8695" providerId="LiveId" clId="{4EBEE71B-A046-46A1-8FFD-861068AB1109}" dt="2023-10-29T10:35:49.335" v="20" actId="478"/>
+          <ac:spMkLst>
+            <pc:docMk/>
+            <pc:sldMk cId="2690596150" sldId="277"/>
+            <ac:spMk id="2" creationId="{6D4FEF7B-A1FB-4187-0282-8CEE02465A0A}"/>
+          </ac:spMkLst>
+        </pc:spChg>
+        <pc:spChg chg="del">
+          <ac:chgData name="JuYoung Song" userId="2ab62cc5c92b8695" providerId="LiveId" clId="{4EBEE71B-A046-46A1-8FFD-861068AB1109}" dt="2023-10-29T10:35:49.335" v="20" actId="478"/>
+          <ac:spMkLst>
+            <pc:docMk/>
+            <pc:sldMk cId="2690596150" sldId="277"/>
+            <ac:spMk id="3" creationId="{FC299284-7FA2-CB6C-77B4-53972E7DA51F}"/>
+          </ac:spMkLst>
+        </pc:spChg>
+        <pc:picChg chg="add mod modCrop">
+          <ac:chgData name="JuYoung Song" userId="2ab62cc5c92b8695" providerId="LiveId" clId="{4EBEE71B-A046-46A1-8FFD-861068AB1109}" dt="2023-10-29T10:41:00.748" v="148" actId="1076"/>
+          <ac:picMkLst>
+            <pc:docMk/>
+            <pc:sldMk cId="2690596150" sldId="277"/>
+            <ac:picMk id="5" creationId="{A54C9C92-58C8-84C6-155B-E5109EDFA529}"/>
+          </ac:picMkLst>
+        </pc:picChg>
+        <pc:picChg chg="add mod modCrop">
+          <ac:chgData name="JuYoung Song" userId="2ab62cc5c92b8695" providerId="LiveId" clId="{4EBEE71B-A046-46A1-8FFD-861068AB1109}" dt="2023-10-29T10:40:58.227" v="147" actId="14100"/>
+          <ac:picMkLst>
+            <pc:docMk/>
+            <pc:sldMk cId="2690596150" sldId="277"/>
+            <ac:picMk id="6" creationId="{24F02B82-723A-2750-B0FE-E6D6932FE17B}"/>
+          </ac:picMkLst>
+        </pc:picChg>
+      </pc:sldChg>
+    </pc:docChg>
+  </pc:docChgLst>
   <pc:docChgLst>
     <pc:chgData name="Song JuYoung" userId="2ab62cc5c92b8695" providerId="LiveId" clId="{4EBEE71B-A046-46A1-8FFD-861068AB1109}"/>
     <pc:docChg chg="undo custSel addSld delSld modSld sldOrd addSection modSection">
@@ -3758,10 +3935,10 @@
       </p:grpSpPr>
       <p:pic>
         <p:nvPicPr>
-          <p:cNvPr id="5" name="그림 4">
+          <p:cNvPr id="3" name="그림 2">
             <a:extLst>
               <a:ext uri="{FF2B5EF4-FFF2-40B4-BE49-F238E27FC236}">
-                <a16:creationId xmlns:a16="http://schemas.microsoft.com/office/drawing/2014/main" id="{899C3153-1B95-9156-EED8-DFB80EBD4A98}"/>
+                <a16:creationId xmlns:a16="http://schemas.microsoft.com/office/drawing/2014/main" id="{6EEAC4B1-9C6D-4A63-F5E5-CB4452C5BF94}"/>
               </a:ext>
             </a:extLst>
           </p:cNvPr>
@@ -3770,15 +3947,16 @@
           </p:cNvPicPr>
           <p:nvPr/>
         </p:nvPicPr>
-        <p:blipFill rotWithShape="1">
+        <p:blipFill>
           <a:blip r:embed="rId2"/>
-          <a:srcRect r="24331" b="25552"/>
-          <a:stretch/>
+          <a:stretch>
+            <a:fillRect/>
+          </a:stretch>
         </p:blipFill>
         <p:spPr>
           <a:xfrm>
-            <a:off x="0" y="1456657"/>
-            <a:ext cx="6809573" cy="6509331"/>
+            <a:off x="714353" y="5079999"/>
+            <a:ext cx="5429294" cy="6498905"/>
           </a:xfrm>
           <a:prstGeom prst="rect">
             <a:avLst/>
@@ -3790,7 +3968,7 @@
           <p:cNvPr id="7" name="그림 6">
             <a:extLst>
               <a:ext uri="{FF2B5EF4-FFF2-40B4-BE49-F238E27FC236}">
-                <a16:creationId xmlns:a16="http://schemas.microsoft.com/office/drawing/2014/main" id="{E67D0513-E70F-3AFE-BF59-DFA484A97A4A}"/>
+                <a16:creationId xmlns:a16="http://schemas.microsoft.com/office/drawing/2014/main" id="{7343DDD7-DAE8-281D-B8BD-DB45DDFFC68E}"/>
               </a:ext>
             </a:extLst>
           </p:cNvPr>
@@ -3807,8 +3985,8 @@
         </p:blipFill>
         <p:spPr>
           <a:xfrm>
-            <a:off x="0" y="96107"/>
-            <a:ext cx="5189426" cy="1139569"/>
+            <a:off x="0" y="74380"/>
+            <a:ext cx="6858000" cy="4878620"/>
           </a:xfrm>
           <a:prstGeom prst="rect">
             <a:avLst/>
@@ -3818,7 +3996,7 @@
     </p:spTree>
     <p:extLst>
       <p:ext uri="{BB962C8B-B14F-4D97-AF65-F5344CB8AC3E}">
-        <p14:creationId xmlns:p14="http://schemas.microsoft.com/office/powerpoint/2010/main" val="1815027214"/>
+        <p14:creationId xmlns:p14="http://schemas.microsoft.com/office/powerpoint/2010/main" val="1126828988"/>
       </p:ext>
     </p:extLst>
   </p:cSld>
@@ -3923,7 +4101,7 @@
     </p:spTree>
     <p:extLst>
       <p:ext uri="{BB962C8B-B14F-4D97-AF65-F5344CB8AC3E}">
-        <p14:creationId xmlns:p14="http://schemas.microsoft.com/office/powerpoint/2010/main" val="2609953614"/>
+        <p14:creationId xmlns:p14="http://schemas.microsoft.com/office/powerpoint/2010/main" val="1881056838"/>
       </p:ext>
     </p:extLst>
   </p:cSld>
@@ -3950,6 +4128,95 @@
           <a:chExt cx="0" cy="0"/>
         </a:xfrm>
       </p:grpSpPr>
+      <p:pic>
+        <p:nvPicPr>
+          <p:cNvPr id="5" name="그림 4">
+            <a:extLst>
+              <a:ext uri="{FF2B5EF4-FFF2-40B4-BE49-F238E27FC236}">
+                <a16:creationId xmlns:a16="http://schemas.microsoft.com/office/drawing/2014/main" id="{899C3153-1B95-9156-EED8-DFB80EBD4A98}"/>
+              </a:ext>
+            </a:extLst>
+          </p:cNvPr>
+          <p:cNvPicPr>
+            <a:picLocks noChangeAspect="1"/>
+          </p:cNvPicPr>
+          <p:nvPr/>
+        </p:nvPicPr>
+        <p:blipFill rotWithShape="1">
+          <a:blip r:embed="rId2"/>
+          <a:srcRect r="24331" b="25552"/>
+          <a:stretch/>
+        </p:blipFill>
+        <p:spPr>
+          <a:xfrm>
+            <a:off x="0" y="1456657"/>
+            <a:ext cx="6809573" cy="6509331"/>
+          </a:xfrm>
+          <a:prstGeom prst="rect">
+            <a:avLst/>
+          </a:prstGeom>
+        </p:spPr>
+      </p:pic>
+      <p:pic>
+        <p:nvPicPr>
+          <p:cNvPr id="7" name="그림 6">
+            <a:extLst>
+              <a:ext uri="{FF2B5EF4-FFF2-40B4-BE49-F238E27FC236}">
+                <a16:creationId xmlns:a16="http://schemas.microsoft.com/office/drawing/2014/main" id="{E67D0513-E70F-3AFE-BF59-DFA484A97A4A}"/>
+              </a:ext>
+            </a:extLst>
+          </p:cNvPr>
+          <p:cNvPicPr>
+            <a:picLocks noChangeAspect="1"/>
+          </p:cNvPicPr>
+          <p:nvPr/>
+        </p:nvPicPr>
+        <p:blipFill>
+          <a:blip r:embed="rId3"/>
+          <a:stretch>
+            <a:fillRect/>
+          </a:stretch>
+        </p:blipFill>
+        <p:spPr>
+          <a:xfrm>
+            <a:off x="0" y="96107"/>
+            <a:ext cx="5189426" cy="1139569"/>
+          </a:xfrm>
+          <a:prstGeom prst="rect">
+            <a:avLst/>
+          </a:prstGeom>
+        </p:spPr>
+      </p:pic>
+    </p:spTree>
+    <p:extLst>
+      <p:ext uri="{BB962C8B-B14F-4D97-AF65-F5344CB8AC3E}">
+        <p14:creationId xmlns:p14="http://schemas.microsoft.com/office/powerpoint/2010/main" val="1815027214"/>
+      </p:ext>
+    </p:extLst>
+  </p:cSld>
+  <p:clrMapOvr>
+    <a:masterClrMapping/>
+  </p:clrMapOvr>
+</p:sld>
+</file>
+
+<file path=ppt/slides/slide13.xml><?xml version="1.0" encoding="utf-8"?>
+<p:sld xmlns:a="http://schemas.openxmlformats.org/drawingml/2006/main" xmlns:r="http://schemas.openxmlformats.org/officeDocument/2006/relationships" xmlns:p="http://schemas.openxmlformats.org/presentationml/2006/main">
+  <p:cSld>
+    <p:spTree>
+      <p:nvGrpSpPr>
+        <p:cNvPr id="1" name=""/>
+        <p:cNvGrpSpPr/>
+        <p:nvPr/>
+      </p:nvGrpSpPr>
+      <p:grpSpPr>
+        <a:xfrm>
+          <a:off x="0" y="0"/>
+          <a:ext cx="0" cy="0"/>
+          <a:chOff x="0" y="0"/>
+          <a:chExt cx="0" cy="0"/>
+        </a:xfrm>
+      </p:grpSpPr>
       <p:sp>
         <p:nvSpPr>
           <p:cNvPr id="2" name="제목 1">
@@ -3991,7 +4258,7 @@
 </p:sld>
 </file>
 
-<file path=ppt/slides/slide13.xml><?xml version="1.0" encoding="utf-8"?>
+<file path=ppt/slides/slide14.xml><?xml version="1.0" encoding="utf-8"?>
 <p:sld xmlns:a="http://schemas.openxmlformats.org/drawingml/2006/main" xmlns:r="http://schemas.openxmlformats.org/officeDocument/2006/relationships" xmlns:p="http://schemas.openxmlformats.org/presentationml/2006/main">
   <p:cSld>
     <p:spTree>
@@ -4081,7 +4348,7 @@
 </p:sld>
 </file>
 
-<file path=ppt/slides/slide14.xml><?xml version="1.0" encoding="utf-8"?>
+<file path=ppt/slides/slide15.xml><?xml version="1.0" encoding="utf-8"?>
 <p:sld xmlns:a="http://schemas.openxmlformats.org/drawingml/2006/main" xmlns:r="http://schemas.openxmlformats.org/officeDocument/2006/relationships" xmlns:p="http://schemas.openxmlformats.org/presentationml/2006/main">
   <p:cSld>
     <p:spTree>
@@ -4141,7 +4408,7 @@
 </p:sld>
 </file>
 
-<file path=ppt/slides/slide15.xml><?xml version="1.0" encoding="utf-8"?>
+<file path=ppt/slides/slide16.xml><?xml version="1.0" encoding="utf-8"?>
 <p:sld xmlns:a="http://schemas.openxmlformats.org/drawingml/2006/main" xmlns:r="http://schemas.openxmlformats.org/officeDocument/2006/relationships" xmlns:p="http://schemas.openxmlformats.org/presentationml/2006/main">
   <p:cSld>
     <p:spTree>
@@ -4291,7 +4558,7 @@
 </p:sld>
 </file>
 
-<file path=ppt/slides/slide16.xml><?xml version="1.0" encoding="utf-8"?>
+<file path=ppt/slides/slide17.xml><?xml version="1.0" encoding="utf-8"?>
 <p:sld xmlns:a="http://schemas.openxmlformats.org/drawingml/2006/main" xmlns:r="http://schemas.openxmlformats.org/officeDocument/2006/relationships" xmlns:p="http://schemas.openxmlformats.org/presentationml/2006/main">
   <p:cSld>
     <p:spTree>
@@ -4308,6 +4575,94 @@
           <a:chExt cx="0" cy="0"/>
         </a:xfrm>
       </p:grpSpPr>
+      <p:pic>
+        <p:nvPicPr>
+          <p:cNvPr id="5" name="그림 4">
+            <a:extLst>
+              <a:ext uri="{FF2B5EF4-FFF2-40B4-BE49-F238E27FC236}">
+                <a16:creationId xmlns:a16="http://schemas.microsoft.com/office/drawing/2014/main" id="{B6FC2BFF-7BED-4D23-1790-D8A1EB9122CA}"/>
+              </a:ext>
+            </a:extLst>
+          </p:cNvPr>
+          <p:cNvPicPr>
+            <a:picLocks noChangeAspect="1"/>
+          </p:cNvPicPr>
+          <p:nvPr/>
+        </p:nvPicPr>
+        <p:blipFill rotWithShape="1">
+          <a:blip r:embed="rId2"/>
+          <a:srcRect r="62815" b="93367"/>
+          <a:stretch/>
+        </p:blipFill>
+        <p:spPr>
+          <a:xfrm>
+            <a:off x="115330" y="0"/>
+            <a:ext cx="2550160" cy="535353"/>
+          </a:xfrm>
+          <a:prstGeom prst="rect">
+            <a:avLst/>
+          </a:prstGeom>
+        </p:spPr>
+      </p:pic>
+      <p:pic>
+        <p:nvPicPr>
+          <p:cNvPr id="6" name="그림 5">
+            <a:extLst>
+              <a:ext uri="{FF2B5EF4-FFF2-40B4-BE49-F238E27FC236}">
+                <a16:creationId xmlns:a16="http://schemas.microsoft.com/office/drawing/2014/main" id="{F81F1377-3F20-8555-524E-970CDF62AB8D}"/>
+              </a:ext>
+            </a:extLst>
+          </p:cNvPr>
+          <p:cNvPicPr>
+            <a:picLocks noChangeAspect="1"/>
+          </p:cNvPicPr>
+          <p:nvPr/>
+        </p:nvPicPr>
+        <p:blipFill rotWithShape="1">
+          <a:blip r:embed="rId2"/>
+          <a:srcRect l="39704" t="6130"/>
+          <a:stretch/>
+        </p:blipFill>
+        <p:spPr>
+          <a:xfrm>
+            <a:off x="0" y="535353"/>
+            <a:ext cx="4959178" cy="9086044"/>
+          </a:xfrm>
+          <a:prstGeom prst="rect">
+            <a:avLst/>
+          </a:prstGeom>
+        </p:spPr>
+      </p:pic>
+    </p:spTree>
+    <p:extLst>
+      <p:ext uri="{BB962C8B-B14F-4D97-AF65-F5344CB8AC3E}">
+        <p14:creationId xmlns:p14="http://schemas.microsoft.com/office/powerpoint/2010/main" val="323930429"/>
+      </p:ext>
+    </p:extLst>
+  </p:cSld>
+  <p:clrMapOvr>
+    <a:masterClrMapping/>
+  </p:clrMapOvr>
+</p:sld>
+</file>
+
+<file path=ppt/slides/slide18.xml><?xml version="1.0" encoding="utf-8"?>
+<p:sld xmlns:a="http://schemas.openxmlformats.org/drawingml/2006/main" xmlns:r="http://schemas.openxmlformats.org/officeDocument/2006/relationships" xmlns:p="http://schemas.openxmlformats.org/presentationml/2006/main">
+  <p:cSld>
+    <p:spTree>
+      <p:nvGrpSpPr>
+        <p:cNvPr id="1" name=""/>
+        <p:cNvGrpSpPr/>
+        <p:nvPr/>
+      </p:nvGrpSpPr>
+      <p:grpSpPr>
+        <a:xfrm>
+          <a:off x="0" y="0"/>
+          <a:ext cx="0" cy="0"/>
+          <a:chOff x="0" y="0"/>
+          <a:chExt cx="0" cy="0"/>
+        </a:xfrm>
+      </p:grpSpPr>
       <p:sp>
         <p:nvSpPr>
           <p:cNvPr id="2" name="제목 1">
@@ -4349,7 +4704,7 @@
 </p:sld>
 </file>
 
-<file path=ppt/slides/slide17.xml><?xml version="1.0" encoding="utf-8"?>
+<file path=ppt/slides/slide19.xml><?xml version="1.0" encoding="utf-8"?>
 <p:sld xmlns:a="http://schemas.openxmlformats.org/drawingml/2006/main" xmlns:r="http://schemas.openxmlformats.org/officeDocument/2006/relationships" xmlns:p="http://schemas.openxmlformats.org/presentationml/2006/main">
   <p:cSld>
     <p:spTree>
@@ -4400,126 +4755,6 @@
     <p:extLst>
       <p:ext uri="{BB962C8B-B14F-4D97-AF65-F5344CB8AC3E}">
         <p14:creationId xmlns:p14="http://schemas.microsoft.com/office/powerpoint/2010/main" val="608099315"/>
-      </p:ext>
-    </p:extLst>
-  </p:cSld>
-  <p:clrMapOvr>
-    <a:masterClrMapping/>
-  </p:clrMapOvr>
-</p:sld>
-</file>
-
-<file path=ppt/slides/slide18.xml><?xml version="1.0" encoding="utf-8"?>
-<p:sld xmlns:a="http://schemas.openxmlformats.org/drawingml/2006/main" xmlns:r="http://schemas.openxmlformats.org/officeDocument/2006/relationships" xmlns:p="http://schemas.openxmlformats.org/presentationml/2006/main">
-  <p:cSld>
-    <p:spTree>
-      <p:nvGrpSpPr>
-        <p:cNvPr id="1" name=""/>
-        <p:cNvGrpSpPr/>
-        <p:nvPr/>
-      </p:nvGrpSpPr>
-      <p:grpSpPr>
-        <a:xfrm>
-          <a:off x="0" y="0"/>
-          <a:ext cx="0" cy="0"/>
-          <a:chOff x="0" y="0"/>
-          <a:chExt cx="0" cy="0"/>
-        </a:xfrm>
-      </p:grpSpPr>
-      <p:pic>
-        <p:nvPicPr>
-          <p:cNvPr id="5" name="그림 4">
-            <a:extLst>
-              <a:ext uri="{FF2B5EF4-FFF2-40B4-BE49-F238E27FC236}">
-                <a16:creationId xmlns:a16="http://schemas.microsoft.com/office/drawing/2014/main" id="{A25BB444-A157-CE1F-E65E-CA495BBE1D17}"/>
-              </a:ext>
-            </a:extLst>
-          </p:cNvPr>
-          <p:cNvPicPr>
-            <a:picLocks noChangeAspect="1"/>
-          </p:cNvPicPr>
-          <p:nvPr/>
-        </p:nvPicPr>
-        <p:blipFill>
-          <a:blip r:embed="rId2"/>
-          <a:stretch>
-            <a:fillRect/>
-          </a:stretch>
-        </p:blipFill>
-        <p:spPr>
-          <a:xfrm>
-            <a:off x="47153" y="1404442"/>
-            <a:ext cx="6763694" cy="7097115"/>
-          </a:xfrm>
-          <a:prstGeom prst="rect">
-            <a:avLst/>
-          </a:prstGeom>
-        </p:spPr>
-      </p:pic>
-    </p:spTree>
-    <p:extLst>
-      <p:ext uri="{BB962C8B-B14F-4D97-AF65-F5344CB8AC3E}">
-        <p14:creationId xmlns:p14="http://schemas.microsoft.com/office/powerpoint/2010/main" val="4028014239"/>
-      </p:ext>
-    </p:extLst>
-  </p:cSld>
-  <p:clrMapOvr>
-    <a:masterClrMapping/>
-  </p:clrMapOvr>
-</p:sld>
-</file>
-
-<file path=ppt/slides/slide19.xml><?xml version="1.0" encoding="utf-8"?>
-<p:sld xmlns:a="http://schemas.openxmlformats.org/drawingml/2006/main" xmlns:r="http://schemas.openxmlformats.org/officeDocument/2006/relationships" xmlns:p="http://schemas.openxmlformats.org/presentationml/2006/main">
-  <p:cSld>
-    <p:spTree>
-      <p:nvGrpSpPr>
-        <p:cNvPr id="1" name=""/>
-        <p:cNvGrpSpPr/>
-        <p:nvPr/>
-      </p:nvGrpSpPr>
-      <p:grpSpPr>
-        <a:xfrm>
-          <a:off x="0" y="0"/>
-          <a:ext cx="0" cy="0"/>
-          <a:chOff x="0" y="0"/>
-          <a:chExt cx="0" cy="0"/>
-        </a:xfrm>
-      </p:grpSpPr>
-      <p:pic>
-        <p:nvPicPr>
-          <p:cNvPr id="9" name="그림 8">
-            <a:extLst>
-              <a:ext uri="{FF2B5EF4-FFF2-40B4-BE49-F238E27FC236}">
-                <a16:creationId xmlns:a16="http://schemas.microsoft.com/office/drawing/2014/main" id="{7C0B1E98-499D-A150-4DB0-1C32A931CE5E}"/>
-              </a:ext>
-            </a:extLst>
-          </p:cNvPr>
-          <p:cNvPicPr>
-            <a:picLocks noChangeAspect="1"/>
-          </p:cNvPicPr>
-          <p:nvPr/>
-        </p:nvPicPr>
-        <p:blipFill>
-          <a:blip r:embed="rId2"/>
-          <a:stretch>
-            <a:fillRect/>
-          </a:stretch>
-        </p:blipFill>
-        <p:spPr>
-          <a:xfrm>
-            <a:off x="161469" y="1083729"/>
-            <a:ext cx="6535062" cy="6411220"/>
-          </a:xfrm>
-          <a:prstGeom prst="rect">
-            <a:avLst/>
-          </a:prstGeom>
-        </p:spPr>
-      </p:pic>
-    </p:spTree>
-    <p:extLst>
-      <p:ext uri="{BB962C8B-B14F-4D97-AF65-F5344CB8AC3E}">
-        <p14:creationId xmlns:p14="http://schemas.microsoft.com/office/powerpoint/2010/main" val="4047461688"/>
       </p:ext>
     </p:extLst>
   </p:cSld>
@@ -4619,6 +4854,126 @@
 </p:sld>
 </file>
 
+<file path=ppt/slides/slide20.xml><?xml version="1.0" encoding="utf-8"?>
+<p:sld xmlns:a="http://schemas.openxmlformats.org/drawingml/2006/main" xmlns:r="http://schemas.openxmlformats.org/officeDocument/2006/relationships" xmlns:p="http://schemas.openxmlformats.org/presentationml/2006/main">
+  <p:cSld>
+    <p:spTree>
+      <p:nvGrpSpPr>
+        <p:cNvPr id="1" name=""/>
+        <p:cNvGrpSpPr/>
+        <p:nvPr/>
+      </p:nvGrpSpPr>
+      <p:grpSpPr>
+        <a:xfrm>
+          <a:off x="0" y="0"/>
+          <a:ext cx="0" cy="0"/>
+          <a:chOff x="0" y="0"/>
+          <a:chExt cx="0" cy="0"/>
+        </a:xfrm>
+      </p:grpSpPr>
+      <p:pic>
+        <p:nvPicPr>
+          <p:cNvPr id="5" name="그림 4">
+            <a:extLst>
+              <a:ext uri="{FF2B5EF4-FFF2-40B4-BE49-F238E27FC236}">
+                <a16:creationId xmlns:a16="http://schemas.microsoft.com/office/drawing/2014/main" id="{A25BB444-A157-CE1F-E65E-CA495BBE1D17}"/>
+              </a:ext>
+            </a:extLst>
+          </p:cNvPr>
+          <p:cNvPicPr>
+            <a:picLocks noChangeAspect="1"/>
+          </p:cNvPicPr>
+          <p:nvPr/>
+        </p:nvPicPr>
+        <p:blipFill>
+          <a:blip r:embed="rId2"/>
+          <a:stretch>
+            <a:fillRect/>
+          </a:stretch>
+        </p:blipFill>
+        <p:spPr>
+          <a:xfrm>
+            <a:off x="47153" y="1404442"/>
+            <a:ext cx="6763694" cy="7097115"/>
+          </a:xfrm>
+          <a:prstGeom prst="rect">
+            <a:avLst/>
+          </a:prstGeom>
+        </p:spPr>
+      </p:pic>
+    </p:spTree>
+    <p:extLst>
+      <p:ext uri="{BB962C8B-B14F-4D97-AF65-F5344CB8AC3E}">
+        <p14:creationId xmlns:p14="http://schemas.microsoft.com/office/powerpoint/2010/main" val="4028014239"/>
+      </p:ext>
+    </p:extLst>
+  </p:cSld>
+  <p:clrMapOvr>
+    <a:masterClrMapping/>
+  </p:clrMapOvr>
+</p:sld>
+</file>
+
+<file path=ppt/slides/slide21.xml><?xml version="1.0" encoding="utf-8"?>
+<p:sld xmlns:a="http://schemas.openxmlformats.org/drawingml/2006/main" xmlns:r="http://schemas.openxmlformats.org/officeDocument/2006/relationships" xmlns:p="http://schemas.openxmlformats.org/presentationml/2006/main">
+  <p:cSld>
+    <p:spTree>
+      <p:nvGrpSpPr>
+        <p:cNvPr id="1" name=""/>
+        <p:cNvGrpSpPr/>
+        <p:nvPr/>
+      </p:nvGrpSpPr>
+      <p:grpSpPr>
+        <a:xfrm>
+          <a:off x="0" y="0"/>
+          <a:ext cx="0" cy="0"/>
+          <a:chOff x="0" y="0"/>
+          <a:chExt cx="0" cy="0"/>
+        </a:xfrm>
+      </p:grpSpPr>
+      <p:pic>
+        <p:nvPicPr>
+          <p:cNvPr id="9" name="그림 8">
+            <a:extLst>
+              <a:ext uri="{FF2B5EF4-FFF2-40B4-BE49-F238E27FC236}">
+                <a16:creationId xmlns:a16="http://schemas.microsoft.com/office/drawing/2014/main" id="{7C0B1E98-499D-A150-4DB0-1C32A931CE5E}"/>
+              </a:ext>
+            </a:extLst>
+          </p:cNvPr>
+          <p:cNvPicPr>
+            <a:picLocks noChangeAspect="1"/>
+          </p:cNvPicPr>
+          <p:nvPr/>
+        </p:nvPicPr>
+        <p:blipFill>
+          <a:blip r:embed="rId2"/>
+          <a:stretch>
+            <a:fillRect/>
+          </a:stretch>
+        </p:blipFill>
+        <p:spPr>
+          <a:xfrm>
+            <a:off x="161469" y="1083729"/>
+            <a:ext cx="6535062" cy="6411220"/>
+          </a:xfrm>
+          <a:prstGeom prst="rect">
+            <a:avLst/>
+          </a:prstGeom>
+        </p:spPr>
+      </p:pic>
+    </p:spTree>
+    <p:extLst>
+      <p:ext uri="{BB962C8B-B14F-4D97-AF65-F5344CB8AC3E}">
+        <p14:creationId xmlns:p14="http://schemas.microsoft.com/office/powerpoint/2010/main" val="4047461688"/>
+      </p:ext>
+    </p:extLst>
+  </p:cSld>
+  <p:clrMapOvr>
+    <a:masterClrMapping/>
+  </p:clrMapOvr>
+</p:sld>
+</file>
+
 <file path=ppt/slides/slide3.xml><?xml version="1.0" encoding="utf-8"?>
 <p:sld xmlns:a="http://schemas.openxmlformats.org/drawingml/2006/main" xmlns:r="http://schemas.openxmlformats.org/officeDocument/2006/relationships" xmlns:p="http://schemas.openxmlformats.org/presentationml/2006/main">
   <p:cSld>
@@ -4696,6 +5051,57 @@
           </a:prstGeom>
         </p:spPr>
       </p:pic>
+      <p:sp>
+        <p:nvSpPr>
+          <p:cNvPr id="2" name="TextBox 1">
+            <a:extLst>
+              <a:ext uri="{FF2B5EF4-FFF2-40B4-BE49-F238E27FC236}">
+                <a16:creationId xmlns:a16="http://schemas.microsoft.com/office/drawing/2014/main" id="{50790EB0-D306-BEBB-01CA-41AF8FFA3BFB}"/>
+              </a:ext>
+            </a:extLst>
+          </p:cNvPr>
+          <p:cNvSpPr txBox="1"/>
+          <p:nvPr/>
+        </p:nvSpPr>
+        <p:spPr>
+          <a:xfrm>
+            <a:off x="4405313" y="2686050"/>
+            <a:ext cx="2009775" cy="430887"/>
+          </a:xfrm>
+          <a:prstGeom prst="rect">
+            <a:avLst/>
+          </a:prstGeom>
+          <a:noFill/>
+        </p:spPr>
+        <p:txBody>
+          <a:bodyPr wrap="square" rtlCol="0">
+            <a:spAutoFit/>
+          </a:bodyPr>
+          <a:lstStyle/>
+          <a:p>
+            <a:r>
+              <a:rPr lang="ko-KR" altLang="en-US" sz="1100" dirty="0"/>
+              <a:t>주변이 </a:t>
+            </a:r>
+            <a:r>
+              <a:rPr lang="en-US" altLang="ko-KR" sz="1100" dirty="0"/>
+              <a:t>0</a:t>
+            </a:r>
+            <a:r>
+              <a:rPr lang="ko-KR" altLang="en-US" sz="1100" dirty="0"/>
+              <a:t>으로 바뀐 상태에서 다음</a:t>
+            </a:r>
+            <a:r>
+              <a:rPr lang="en-US" altLang="ko-KR" sz="1100" dirty="0"/>
+              <a:t> for</a:t>
+            </a:r>
+            <a:r>
+              <a:rPr lang="ko-KR" altLang="en-US" sz="1100" dirty="0"/>
+              <a:t>문 시작</a:t>
+            </a:r>
+          </a:p>
+        </p:txBody>
+      </p:sp>
     </p:spTree>
     <p:extLst>
       <p:ext uri="{BB962C8B-B14F-4D97-AF65-F5344CB8AC3E}">
@@ -4844,6 +5250,35 @@
           </a:prstGeom>
         </p:spPr>
       </p:pic>
+      <p:pic>
+        <p:nvPicPr>
+          <p:cNvPr id="2" name="그림 1">
+            <a:extLst>
+              <a:ext uri="{FF2B5EF4-FFF2-40B4-BE49-F238E27FC236}">
+                <a16:creationId xmlns:a16="http://schemas.microsoft.com/office/drawing/2014/main" id="{3261663D-737A-D1B5-B824-6EB8C0AA7373}"/>
+              </a:ext>
+            </a:extLst>
+          </p:cNvPr>
+          <p:cNvPicPr>
+            <a:picLocks noChangeAspect="1"/>
+          </p:cNvPicPr>
+          <p:nvPr/>
+        </p:nvPicPr>
+        <p:blipFill rotWithShape="1">
+          <a:blip r:embed="rId2"/>
+          <a:srcRect l="14031" t="30625" r="81557" b="65581"/>
+          <a:stretch/>
+        </p:blipFill>
+        <p:spPr>
+          <a:xfrm>
+            <a:off x="-1" y="-1"/>
+            <a:ext cx="2857501" cy="1175657"/>
+          </a:xfrm>
+          <a:prstGeom prst="rect">
+            <a:avLst/>
+          </a:prstGeom>
+        </p:spPr>
+      </p:pic>
     </p:spTree>
     <p:extLst>
       <p:ext uri="{BB962C8B-B14F-4D97-AF65-F5344CB8AC3E}">
@@ -4979,6 +5414,94 @@
           <a:chExt cx="0" cy="0"/>
         </a:xfrm>
       </p:grpSpPr>
+      <p:pic>
+        <p:nvPicPr>
+          <p:cNvPr id="5" name="그림 4">
+            <a:extLst>
+              <a:ext uri="{FF2B5EF4-FFF2-40B4-BE49-F238E27FC236}">
+                <a16:creationId xmlns:a16="http://schemas.microsoft.com/office/drawing/2014/main" id="{A54C9C92-58C8-84C6-155B-E5109EDFA529}"/>
+              </a:ext>
+            </a:extLst>
+          </p:cNvPr>
+          <p:cNvPicPr>
+            <a:picLocks noChangeAspect="1"/>
+          </p:cNvPicPr>
+          <p:nvPr/>
+        </p:nvPicPr>
+        <p:blipFill rotWithShape="1">
+          <a:blip r:embed="rId2"/>
+          <a:srcRect t="12103"/>
+          <a:stretch/>
+        </p:blipFill>
+        <p:spPr>
+          <a:xfrm>
+            <a:off x="0" y="1289956"/>
+            <a:ext cx="6858000" cy="5802793"/>
+          </a:xfrm>
+          <a:prstGeom prst="rect">
+            <a:avLst/>
+          </a:prstGeom>
+        </p:spPr>
+      </p:pic>
+      <p:pic>
+        <p:nvPicPr>
+          <p:cNvPr id="6" name="그림 5">
+            <a:extLst>
+              <a:ext uri="{FF2B5EF4-FFF2-40B4-BE49-F238E27FC236}">
+                <a16:creationId xmlns:a16="http://schemas.microsoft.com/office/drawing/2014/main" id="{24F02B82-723A-2750-B0FE-E6D6932FE17B}"/>
+              </a:ext>
+            </a:extLst>
+          </p:cNvPr>
+          <p:cNvPicPr>
+            <a:picLocks noChangeAspect="1"/>
+          </p:cNvPicPr>
+          <p:nvPr/>
+        </p:nvPicPr>
+        <p:blipFill rotWithShape="1">
+          <a:blip r:embed="rId2"/>
+          <a:srcRect r="67222" b="93668"/>
+          <a:stretch/>
+        </p:blipFill>
+        <p:spPr>
+          <a:xfrm>
+            <a:off x="58057" y="0"/>
+            <a:ext cx="3629580" cy="674914"/>
+          </a:xfrm>
+          <a:prstGeom prst="rect">
+            <a:avLst/>
+          </a:prstGeom>
+        </p:spPr>
+      </p:pic>
+    </p:spTree>
+    <p:extLst>
+      <p:ext uri="{BB962C8B-B14F-4D97-AF65-F5344CB8AC3E}">
+        <p14:creationId xmlns:p14="http://schemas.microsoft.com/office/powerpoint/2010/main" val="2690596150"/>
+      </p:ext>
+    </p:extLst>
+  </p:cSld>
+  <p:clrMapOvr>
+    <a:masterClrMapping/>
+  </p:clrMapOvr>
+</p:sld>
+</file>
+
+<file path=ppt/slides/slide8.xml><?xml version="1.0" encoding="utf-8"?>
+<p:sld xmlns:a="http://schemas.openxmlformats.org/drawingml/2006/main" xmlns:r="http://schemas.openxmlformats.org/officeDocument/2006/relationships" xmlns:p="http://schemas.openxmlformats.org/presentationml/2006/main">
+  <p:cSld>
+    <p:spTree>
+      <p:nvGrpSpPr>
+        <p:cNvPr id="1" name=""/>
+        <p:cNvGrpSpPr/>
+        <p:nvPr/>
+      </p:nvGrpSpPr>
+      <p:grpSpPr>
+        <a:xfrm>
+          <a:off x="0" y="0"/>
+          <a:ext cx="0" cy="0"/>
+          <a:chOff x="0" y="0"/>
+          <a:chExt cx="0" cy="0"/>
+        </a:xfrm>
+      </p:grpSpPr>
       <p:sp>
         <p:nvSpPr>
           <p:cNvPr id="2" name="제목 1">
@@ -5020,7 +5543,7 @@
 </p:sld>
 </file>
 
-<file path=ppt/slides/slide8.xml><?xml version="1.0" encoding="utf-8"?>
+<file path=ppt/slides/slide9.xml><?xml version="1.0" encoding="utf-8"?>
 <p:sld xmlns:a="http://schemas.openxmlformats.org/drawingml/2006/main" xmlns:r="http://schemas.openxmlformats.org/officeDocument/2006/relationships" xmlns:p="http://schemas.openxmlformats.org/presentationml/2006/main">
   <p:cSld>
     <p:spTree>
@@ -5134,36 +5657,6 @@
     <p:extLst>
       <p:ext uri="{BB962C8B-B14F-4D97-AF65-F5344CB8AC3E}">
         <p14:creationId xmlns:p14="http://schemas.microsoft.com/office/powerpoint/2010/main" val="1929659527"/>
-      </p:ext>
-    </p:extLst>
-  </p:cSld>
-  <p:clrMapOvr>
-    <a:masterClrMapping/>
-  </p:clrMapOvr>
-</p:sld>
-</file>
-
-<file path=ppt/slides/slide9.xml><?xml version="1.0" encoding="utf-8"?>
-<p:sld xmlns:a="http://schemas.openxmlformats.org/drawingml/2006/main" xmlns:r="http://schemas.openxmlformats.org/officeDocument/2006/relationships" xmlns:p="http://schemas.openxmlformats.org/presentationml/2006/main">
-  <p:cSld>
-    <p:spTree>
-      <p:nvGrpSpPr>
-        <p:cNvPr id="1" name=""/>
-        <p:cNvGrpSpPr/>
-        <p:nvPr/>
-      </p:nvGrpSpPr>
-      <p:grpSpPr>
-        <a:xfrm>
-          <a:off x="0" y="0"/>
-          <a:ext cx="0" cy="0"/>
-          <a:chOff x="0" y="0"/>
-          <a:chExt cx="0" cy="0"/>
-        </a:xfrm>
-      </p:grpSpPr>
-    </p:spTree>
-    <p:extLst>
-      <p:ext uri="{BB962C8B-B14F-4D97-AF65-F5344CB8AC3E}">
-        <p14:creationId xmlns:p14="http://schemas.microsoft.com/office/powerpoint/2010/main" val="1126828988"/>
       </p:ext>
     </p:extLst>
   </p:cSld>
